--- a/IndexedDB_And_Random.pptx
+++ b/IndexedDB_And_Random.pptx
@@ -11,6 +11,9 @@
     <p:sldId id="258" r:id="rId5"/>
     <p:sldId id="260" r:id="rId6"/>
     <p:sldId id="261" r:id="rId7"/>
+    <p:sldId id="262" r:id="rId8"/>
+    <p:sldId id="263" r:id="rId9"/>
+    <p:sldId id="264" r:id="rId10"/>
   </p:sldIdLst>
   <p:sldSz cx="9144000" cy="6858000" type="screen4x3"/>
   <p:notesSz cx="6858000" cy="9144000"/>
@@ -3380,6 +3383,12 @@
             </a:r>
           </a:p>
           <a:p>
+            <a:r>
+              <a:rPr lang="en-US" dirty="0" smtClean="0"/>
+              <a:t>Pushing data to the client</a:t>
+            </a:r>
+          </a:p>
+          <a:p>
             <a:endParaRPr lang="en-US" dirty="0"/>
           </a:p>
         </p:txBody>
@@ -3577,10 +3586,14 @@
             </a:r>
           </a:p>
           <a:p>
-            <a:endParaRPr lang="en-US"/>
-          </a:p>
-          <a:p>
-            <a:endParaRPr lang="en-US"/>
+            <a:endParaRPr lang="en-US" dirty="0"/>
+          </a:p>
+          <a:p>
+            <a:r>
+              <a:rPr lang="en-US" dirty="0" smtClean="0"/>
+              <a:t>Demo1 – Do something</a:t>
+            </a:r>
+            <a:endParaRPr lang="en-US" dirty="0"/>
           </a:p>
         </p:txBody>
       </p:sp>
@@ -3588,6 +3601,288 @@
     <p:extLst>
       <p:ext uri="{BB962C8B-B14F-4D97-AF65-F5344CB8AC3E}">
         <p14:creationId xmlns:p14="http://schemas.microsoft.com/office/powerpoint/2010/main" val="3721296226"/>
+      </p:ext>
+    </p:extLst>
+  </p:cSld>
+  <p:clrMapOvr>
+    <a:masterClrMapping/>
+  </p:clrMapOvr>
+</p:sld>
+</file>
+
+<file path=ppt/slides/slide7.xml><?xml version="1.0" encoding="utf-8"?>
+<p:sld xmlns:a="http://schemas.openxmlformats.org/drawingml/2006/main" xmlns:r="http://schemas.openxmlformats.org/officeDocument/2006/relationships" xmlns:p="http://schemas.openxmlformats.org/presentationml/2006/main">
+  <p:cSld>
+    <p:spTree>
+      <p:nvGrpSpPr>
+        <p:cNvPr id="1" name=""/>
+        <p:cNvGrpSpPr/>
+        <p:nvPr/>
+      </p:nvGrpSpPr>
+      <p:grpSpPr>
+        <a:xfrm>
+          <a:off x="0" y="0"/>
+          <a:ext cx="0" cy="0"/>
+          <a:chOff x="0" y="0"/>
+          <a:chExt cx="0" cy="0"/>
+        </a:xfrm>
+      </p:grpSpPr>
+      <p:sp>
+        <p:nvSpPr>
+          <p:cNvPr id="2" name="Title 1"/>
+          <p:cNvSpPr>
+            <a:spLocks noGrp="1"/>
+          </p:cNvSpPr>
+          <p:nvPr>
+            <p:ph type="title"/>
+          </p:nvPr>
+        </p:nvSpPr>
+        <p:spPr/>
+        <p:txBody>
+          <a:bodyPr/>
+          <a:lstStyle/>
+          <a:p>
+            <a:r>
+              <a:rPr lang="en-US" dirty="0" err="1" smtClean="0"/>
+              <a:t>IndexedDB</a:t>
+            </a:r>
+            <a:endParaRPr lang="en-US" dirty="0"/>
+          </a:p>
+        </p:txBody>
+      </p:sp>
+      <p:sp>
+        <p:nvSpPr>
+          <p:cNvPr id="3" name="Content Placeholder 2"/>
+          <p:cNvSpPr>
+            <a:spLocks noGrp="1"/>
+          </p:cNvSpPr>
+          <p:nvPr>
+            <p:ph idx="1"/>
+          </p:nvPr>
+        </p:nvSpPr>
+        <p:spPr/>
+        <p:txBody>
+          <a:bodyPr/>
+          <a:lstStyle/>
+          <a:p>
+            <a:r>
+              <a:rPr lang="en-US" dirty="0" smtClean="0"/>
+              <a:t>Very cool</a:t>
+            </a:r>
+          </a:p>
+          <a:p>
+            <a:r>
+              <a:rPr lang="en-US" dirty="0" smtClean="0"/>
+              <a:t>Data at the client.</a:t>
+            </a:r>
+          </a:p>
+          <a:p>
+            <a:endParaRPr lang="en-US" dirty="0"/>
+          </a:p>
+          <a:p>
+            <a:r>
+              <a:rPr lang="en-US" dirty="0" smtClean="0"/>
+              <a:t>Why?</a:t>
+            </a:r>
+          </a:p>
+          <a:p>
+            <a:pPr lvl="1"/>
+            <a:r>
+              <a:rPr lang="en-US" dirty="0" smtClean="0"/>
+              <a:t>Performance</a:t>
+            </a:r>
+          </a:p>
+          <a:p>
+            <a:pPr lvl="1"/>
+            <a:r>
+              <a:rPr lang="en-US" dirty="0" smtClean="0"/>
+              <a:t>Offline</a:t>
+            </a:r>
+          </a:p>
+          <a:p>
+            <a:pPr lvl="1"/>
+            <a:r>
+              <a:rPr lang="en-US" dirty="0" smtClean="0"/>
+              <a:t>Offload work to client</a:t>
+            </a:r>
+            <a:endParaRPr lang="en-US" dirty="0"/>
+          </a:p>
+        </p:txBody>
+      </p:sp>
+    </p:spTree>
+    <p:extLst>
+      <p:ext uri="{BB962C8B-B14F-4D97-AF65-F5344CB8AC3E}">
+        <p14:creationId xmlns:p14="http://schemas.microsoft.com/office/powerpoint/2010/main" val="1229930455"/>
+      </p:ext>
+    </p:extLst>
+  </p:cSld>
+  <p:clrMapOvr>
+    <a:masterClrMapping/>
+  </p:clrMapOvr>
+</p:sld>
+</file>
+
+<file path=ppt/slides/slide8.xml><?xml version="1.0" encoding="utf-8"?>
+<p:sld xmlns:a="http://schemas.openxmlformats.org/drawingml/2006/main" xmlns:r="http://schemas.openxmlformats.org/officeDocument/2006/relationships" xmlns:p="http://schemas.openxmlformats.org/presentationml/2006/main">
+  <p:cSld>
+    <p:spTree>
+      <p:nvGrpSpPr>
+        <p:cNvPr id="1" name=""/>
+        <p:cNvGrpSpPr/>
+        <p:nvPr/>
+      </p:nvGrpSpPr>
+      <p:grpSpPr>
+        <a:xfrm>
+          <a:off x="0" y="0"/>
+          <a:ext cx="0" cy="0"/>
+          <a:chOff x="0" y="0"/>
+          <a:chExt cx="0" cy="0"/>
+        </a:xfrm>
+      </p:grpSpPr>
+      <p:sp>
+        <p:nvSpPr>
+          <p:cNvPr id="2" name="Title 1"/>
+          <p:cNvSpPr>
+            <a:spLocks noGrp="1"/>
+          </p:cNvSpPr>
+          <p:nvPr>
+            <p:ph type="title"/>
+          </p:nvPr>
+        </p:nvSpPr>
+        <p:spPr/>
+        <p:txBody>
+          <a:bodyPr/>
+          <a:lstStyle/>
+          <a:p>
+            <a:r>
+              <a:rPr lang="en-US" dirty="0" err="1" smtClean="0"/>
+              <a:t>IndexedDB</a:t>
+            </a:r>
+            <a:endParaRPr lang="en-US" dirty="0"/>
+          </a:p>
+        </p:txBody>
+      </p:sp>
+      <p:sp>
+        <p:nvSpPr>
+          <p:cNvPr id="3" name="Content Placeholder 2"/>
+          <p:cNvSpPr>
+            <a:spLocks noGrp="1"/>
+          </p:cNvSpPr>
+          <p:nvPr>
+            <p:ph idx="1"/>
+          </p:nvPr>
+        </p:nvSpPr>
+        <p:spPr/>
+        <p:txBody>
+          <a:bodyPr/>
+          <a:lstStyle/>
+          <a:p>
+            <a:r>
+              <a:rPr lang="en-US" dirty="0" smtClean="0"/>
+              <a:t>Demo2</a:t>
+            </a:r>
+            <a:endParaRPr lang="en-US" dirty="0"/>
+          </a:p>
+        </p:txBody>
+      </p:sp>
+    </p:spTree>
+    <p:extLst>
+      <p:ext uri="{BB962C8B-B14F-4D97-AF65-F5344CB8AC3E}">
+        <p14:creationId xmlns:p14="http://schemas.microsoft.com/office/powerpoint/2010/main" val="464567482"/>
+      </p:ext>
+    </p:extLst>
+  </p:cSld>
+  <p:clrMapOvr>
+    <a:masterClrMapping/>
+  </p:clrMapOvr>
+</p:sld>
+</file>
+
+<file path=ppt/slides/slide9.xml><?xml version="1.0" encoding="utf-8"?>
+<p:sld xmlns:a="http://schemas.openxmlformats.org/drawingml/2006/main" xmlns:r="http://schemas.openxmlformats.org/officeDocument/2006/relationships" xmlns:p="http://schemas.openxmlformats.org/presentationml/2006/main">
+  <p:cSld>
+    <p:spTree>
+      <p:nvGrpSpPr>
+        <p:cNvPr id="1" name=""/>
+        <p:cNvGrpSpPr/>
+        <p:nvPr/>
+      </p:nvGrpSpPr>
+      <p:grpSpPr>
+        <a:xfrm>
+          <a:off x="0" y="0"/>
+          <a:ext cx="0" cy="0"/>
+          <a:chOff x="0" y="0"/>
+          <a:chExt cx="0" cy="0"/>
+        </a:xfrm>
+      </p:grpSpPr>
+      <p:sp>
+        <p:nvSpPr>
+          <p:cNvPr id="2" name="Title 1"/>
+          <p:cNvSpPr>
+            <a:spLocks noGrp="1"/>
+          </p:cNvSpPr>
+          <p:nvPr>
+            <p:ph type="title"/>
+          </p:nvPr>
+        </p:nvSpPr>
+        <p:spPr/>
+        <p:txBody>
+          <a:bodyPr/>
+          <a:lstStyle/>
+          <a:p>
+            <a:r>
+              <a:rPr lang="en-US" dirty="0" err="1" smtClean="0"/>
+              <a:t>IndexedDB</a:t>
+            </a:r>
+            <a:endParaRPr lang="en-US" dirty="0"/>
+          </a:p>
+        </p:txBody>
+      </p:sp>
+      <p:sp>
+        <p:nvSpPr>
+          <p:cNvPr id="3" name="Content Placeholder 2"/>
+          <p:cNvSpPr>
+            <a:spLocks noGrp="1"/>
+          </p:cNvSpPr>
+          <p:nvPr>
+            <p:ph idx="1"/>
+          </p:nvPr>
+        </p:nvSpPr>
+        <p:spPr/>
+        <p:txBody>
+          <a:bodyPr/>
+          <a:lstStyle/>
+          <a:p>
+            <a:r>
+              <a:rPr lang="en-US" dirty="0" smtClean="0"/>
+              <a:t>Not really here yet.</a:t>
+            </a:r>
+          </a:p>
+          <a:p>
+            <a:r>
+              <a:rPr lang="en-US" dirty="0" smtClean="0"/>
+              <a:t>Still limited support</a:t>
+            </a:r>
+          </a:p>
+          <a:p>
+            <a:r>
+              <a:rPr lang="en-US" dirty="0" smtClean="0"/>
+              <a:t>Probably still </a:t>
+            </a:r>
+            <a:r>
+              <a:rPr lang="en-US" smtClean="0"/>
+              <a:t>some bugs</a:t>
+            </a:r>
+          </a:p>
+          <a:p>
+            <a:endParaRPr lang="en-US" dirty="0"/>
+          </a:p>
+        </p:txBody>
+      </p:sp>
+    </p:spTree>
+    <p:extLst>
+      <p:ext uri="{BB962C8B-B14F-4D97-AF65-F5344CB8AC3E}">
+        <p14:creationId xmlns:p14="http://schemas.microsoft.com/office/powerpoint/2010/main" val="3591816338"/>
       </p:ext>
     </p:extLst>
   </p:cSld>

--- a/IndexedDB_And_Random.pptx
+++ b/IndexedDB_And_Random.pptx
@@ -14,6 +14,11 @@
     <p:sldId id="262" r:id="rId8"/>
     <p:sldId id="263" r:id="rId9"/>
     <p:sldId id="264" r:id="rId10"/>
+    <p:sldId id="265" r:id="rId11"/>
+    <p:sldId id="266" r:id="rId12"/>
+    <p:sldId id="268" r:id="rId13"/>
+    <p:sldId id="269" r:id="rId14"/>
+    <p:sldId id="267" r:id="rId15"/>
   </p:sldIdLst>
   <p:sldSz cx="9144000" cy="6858000" type="screen4x3"/>
   <p:notesSz cx="6858000" cy="9144000"/>
@@ -3166,6 +3171,469 @@
 </p:sld>
 </file>
 
+<file path=ppt/slides/slide10.xml><?xml version="1.0" encoding="utf-8"?>
+<p:sld xmlns:a="http://schemas.openxmlformats.org/drawingml/2006/main" xmlns:r="http://schemas.openxmlformats.org/officeDocument/2006/relationships" xmlns:p="http://schemas.openxmlformats.org/presentationml/2006/main">
+  <p:cSld>
+    <p:spTree>
+      <p:nvGrpSpPr>
+        <p:cNvPr id="1" name=""/>
+        <p:cNvGrpSpPr/>
+        <p:nvPr/>
+      </p:nvGrpSpPr>
+      <p:grpSpPr>
+        <a:xfrm>
+          <a:off x="0" y="0"/>
+          <a:ext cx="0" cy="0"/>
+          <a:chOff x="0" y="0"/>
+          <a:chExt cx="0" cy="0"/>
+        </a:xfrm>
+      </p:grpSpPr>
+      <p:sp>
+        <p:nvSpPr>
+          <p:cNvPr id="2" name="Title 1"/>
+          <p:cNvSpPr>
+            <a:spLocks noGrp="1"/>
+          </p:cNvSpPr>
+          <p:nvPr>
+            <p:ph type="title"/>
+          </p:nvPr>
+        </p:nvSpPr>
+        <p:spPr/>
+        <p:txBody>
+          <a:bodyPr/>
+          <a:lstStyle/>
+          <a:p>
+            <a:r>
+              <a:rPr lang="en-US" dirty="0" smtClean="0"/>
+              <a:t>What is </a:t>
+            </a:r>
+            <a:r>
+              <a:rPr lang="en-US" dirty="0" err="1" smtClean="0"/>
+              <a:t>IndexedDB</a:t>
+            </a:r>
+            <a:r>
+              <a:rPr lang="en-US" dirty="0" smtClean="0"/>
+              <a:t>?</a:t>
+            </a:r>
+            <a:endParaRPr lang="en-US" dirty="0"/>
+          </a:p>
+        </p:txBody>
+      </p:sp>
+      <p:sp>
+        <p:nvSpPr>
+          <p:cNvPr id="3" name="Content Placeholder 2"/>
+          <p:cNvSpPr>
+            <a:spLocks noGrp="1"/>
+          </p:cNvSpPr>
+          <p:nvPr>
+            <p:ph idx="1"/>
+          </p:nvPr>
+        </p:nvSpPr>
+        <p:spPr/>
+        <p:txBody>
+          <a:bodyPr/>
+          <a:lstStyle/>
+          <a:p>
+            <a:r>
+              <a:rPr lang="en-US" dirty="0" smtClean="0"/>
+              <a:t>Key / value store</a:t>
+            </a:r>
+          </a:p>
+          <a:p>
+            <a:r>
+              <a:rPr lang="en-US" dirty="0" smtClean="0"/>
+              <a:t>Not relational</a:t>
+            </a:r>
+          </a:p>
+          <a:p>
+            <a:r>
+              <a:rPr lang="en-US" dirty="0" smtClean="0"/>
+              <a:t>Transactional</a:t>
+            </a:r>
+          </a:p>
+          <a:p>
+            <a:r>
+              <a:rPr lang="en-US" dirty="0" err="1" smtClean="0"/>
+              <a:t>Async</a:t>
+            </a:r>
+            <a:r>
+              <a:rPr lang="en-US" dirty="0" smtClean="0"/>
+              <a:t> (mostly)</a:t>
+            </a:r>
+            <a:endParaRPr lang="en-US" dirty="0"/>
+          </a:p>
+        </p:txBody>
+      </p:sp>
+    </p:spTree>
+    <p:extLst>
+      <p:ext uri="{BB962C8B-B14F-4D97-AF65-F5344CB8AC3E}">
+        <p14:creationId xmlns:p14="http://schemas.microsoft.com/office/powerpoint/2010/main" val="1290160103"/>
+      </p:ext>
+    </p:extLst>
+  </p:cSld>
+  <p:clrMapOvr>
+    <a:masterClrMapping/>
+  </p:clrMapOvr>
+</p:sld>
+</file>
+
+<file path=ppt/slides/slide11.xml><?xml version="1.0" encoding="utf-8"?>
+<p:sld xmlns:a="http://schemas.openxmlformats.org/drawingml/2006/main" xmlns:r="http://schemas.openxmlformats.org/officeDocument/2006/relationships" xmlns:p="http://schemas.openxmlformats.org/presentationml/2006/main">
+  <p:cSld>
+    <p:spTree>
+      <p:nvGrpSpPr>
+        <p:cNvPr id="1" name=""/>
+        <p:cNvGrpSpPr/>
+        <p:nvPr/>
+      </p:nvGrpSpPr>
+      <p:grpSpPr>
+        <a:xfrm>
+          <a:off x="0" y="0"/>
+          <a:ext cx="0" cy="0"/>
+          <a:chOff x="0" y="0"/>
+          <a:chExt cx="0" cy="0"/>
+        </a:xfrm>
+      </p:grpSpPr>
+      <p:sp>
+        <p:nvSpPr>
+          <p:cNvPr id="2" name="Title 1"/>
+          <p:cNvSpPr>
+            <a:spLocks noGrp="1"/>
+          </p:cNvSpPr>
+          <p:nvPr>
+            <p:ph type="title"/>
+          </p:nvPr>
+        </p:nvSpPr>
+        <p:spPr/>
+        <p:txBody>
+          <a:bodyPr/>
+          <a:lstStyle/>
+          <a:p>
+            <a:r>
+              <a:rPr lang="en-US" dirty="0" smtClean="0"/>
+              <a:t>Key Terms</a:t>
+            </a:r>
+            <a:endParaRPr lang="en-US" dirty="0"/>
+          </a:p>
+        </p:txBody>
+      </p:sp>
+      <p:sp>
+        <p:nvSpPr>
+          <p:cNvPr id="3" name="Content Placeholder 2"/>
+          <p:cNvSpPr>
+            <a:spLocks noGrp="1"/>
+          </p:cNvSpPr>
+          <p:nvPr>
+            <p:ph idx="1"/>
+          </p:nvPr>
+        </p:nvSpPr>
+        <p:spPr/>
+        <p:txBody>
+          <a:bodyPr/>
+          <a:lstStyle/>
+          <a:p>
+            <a:r>
+              <a:rPr lang="en-US" dirty="0" smtClean="0"/>
+              <a:t>Database – Contains many object stores. Has a version (</a:t>
+            </a:r>
+            <a:r>
+              <a:rPr lang="en-US" dirty="0" err="1" smtClean="0"/>
+              <a:t>int</a:t>
+            </a:r>
+            <a:r>
+              <a:rPr lang="en-US" dirty="0" smtClean="0"/>
+              <a:t>)</a:t>
+            </a:r>
+          </a:p>
+          <a:p>
+            <a:r>
+              <a:rPr lang="en-US" dirty="0" smtClean="0"/>
+              <a:t>Object Store – Stores a bunch of link objects using a key</a:t>
+            </a:r>
+          </a:p>
+          <a:p>
+            <a:r>
+              <a:rPr lang="en-US" dirty="0" smtClean="0"/>
+              <a:t>Request – a single read or write operation</a:t>
+            </a:r>
+          </a:p>
+          <a:p>
+            <a:r>
+              <a:rPr lang="en-US" dirty="0" smtClean="0"/>
+              <a:t>Index – Way to look up objects in an object store</a:t>
+            </a:r>
+            <a:endParaRPr lang="en-US" dirty="0"/>
+          </a:p>
+        </p:txBody>
+      </p:sp>
+    </p:spTree>
+    <p:extLst>
+      <p:ext uri="{BB962C8B-B14F-4D97-AF65-F5344CB8AC3E}">
+        <p14:creationId xmlns:p14="http://schemas.microsoft.com/office/powerpoint/2010/main" val="2463124279"/>
+      </p:ext>
+    </p:extLst>
+  </p:cSld>
+  <p:clrMapOvr>
+    <a:masterClrMapping/>
+  </p:clrMapOvr>
+</p:sld>
+</file>
+
+<file path=ppt/slides/slide12.xml><?xml version="1.0" encoding="utf-8"?>
+<p:sld xmlns:a="http://schemas.openxmlformats.org/drawingml/2006/main" xmlns:r="http://schemas.openxmlformats.org/officeDocument/2006/relationships" xmlns:p="http://schemas.openxmlformats.org/presentationml/2006/main">
+  <p:cSld>
+    <p:spTree>
+      <p:nvGrpSpPr>
+        <p:cNvPr id="1" name=""/>
+        <p:cNvGrpSpPr/>
+        <p:nvPr/>
+      </p:nvGrpSpPr>
+      <p:grpSpPr>
+        <a:xfrm>
+          <a:off x="0" y="0"/>
+          <a:ext cx="0" cy="0"/>
+          <a:chOff x="0" y="0"/>
+          <a:chExt cx="0" cy="0"/>
+        </a:xfrm>
+      </p:grpSpPr>
+      <p:sp>
+        <p:nvSpPr>
+          <p:cNvPr id="2" name="Title 1"/>
+          <p:cNvSpPr>
+            <a:spLocks noGrp="1"/>
+          </p:cNvSpPr>
+          <p:nvPr>
+            <p:ph type="title"/>
+          </p:nvPr>
+        </p:nvSpPr>
+        <p:spPr/>
+        <p:txBody>
+          <a:bodyPr/>
+          <a:lstStyle/>
+          <a:p>
+            <a:r>
+              <a:rPr lang="en-US" dirty="0" smtClean="0"/>
+              <a:t>Some Stored Data</a:t>
+            </a:r>
+            <a:endParaRPr lang="en-US" dirty="0"/>
+          </a:p>
+        </p:txBody>
+      </p:sp>
+      <p:pic>
+        <p:nvPicPr>
+          <p:cNvPr id="5" name="Picture 4" descr="Screen Shot 2013-03-14 at 9.45.18 PM.png"/>
+          <p:cNvPicPr>
+            <a:picLocks noChangeAspect="1"/>
+          </p:cNvPicPr>
+          <p:nvPr/>
+        </p:nvPicPr>
+        <p:blipFill>
+          <a:blip r:embed="rId2">
+            <a:extLst>
+              <a:ext uri="{28A0092B-C50C-407E-A947-70E740481C1C}">
+                <a14:useLocalDpi xmlns:a14="http://schemas.microsoft.com/office/drawing/2010/main" val="0"/>
+              </a:ext>
+            </a:extLst>
+          </a:blip>
+          <a:stretch>
+            <a:fillRect/>
+          </a:stretch>
+        </p:blipFill>
+        <p:spPr>
+          <a:xfrm>
+            <a:off x="758933" y="1417638"/>
+            <a:ext cx="7205193" cy="4947670"/>
+          </a:xfrm>
+          <a:prstGeom prst="rect">
+            <a:avLst/>
+          </a:prstGeom>
+          <a:ln>
+            <a:solidFill>
+              <a:schemeClr val="tx1"/>
+            </a:solidFill>
+          </a:ln>
+        </p:spPr>
+      </p:pic>
+    </p:spTree>
+    <p:extLst>
+      <p:ext uri="{BB962C8B-B14F-4D97-AF65-F5344CB8AC3E}">
+        <p14:creationId xmlns:p14="http://schemas.microsoft.com/office/powerpoint/2010/main" val="4203566617"/>
+      </p:ext>
+    </p:extLst>
+  </p:cSld>
+  <p:clrMapOvr>
+    <a:masterClrMapping/>
+  </p:clrMapOvr>
+</p:sld>
+</file>
+
+<file path=ppt/slides/slide13.xml><?xml version="1.0" encoding="utf-8"?>
+<p:sld xmlns:a="http://schemas.openxmlformats.org/drawingml/2006/main" xmlns:r="http://schemas.openxmlformats.org/officeDocument/2006/relationships" xmlns:p="http://schemas.openxmlformats.org/presentationml/2006/main">
+  <p:cSld>
+    <p:spTree>
+      <p:nvGrpSpPr>
+        <p:cNvPr id="1" name=""/>
+        <p:cNvGrpSpPr/>
+        <p:nvPr/>
+      </p:nvGrpSpPr>
+      <p:grpSpPr>
+        <a:xfrm>
+          <a:off x="0" y="0"/>
+          <a:ext cx="0" cy="0"/>
+          <a:chOff x="0" y="0"/>
+          <a:chExt cx="0" cy="0"/>
+        </a:xfrm>
+      </p:grpSpPr>
+      <p:sp>
+        <p:nvSpPr>
+          <p:cNvPr id="2" name="Title 1"/>
+          <p:cNvSpPr>
+            <a:spLocks noGrp="1"/>
+          </p:cNvSpPr>
+          <p:nvPr>
+            <p:ph type="title"/>
+          </p:nvPr>
+        </p:nvSpPr>
+        <p:spPr/>
+        <p:txBody>
+          <a:bodyPr/>
+          <a:lstStyle/>
+          <a:p>
+            <a:r>
+              <a:rPr lang="en-US" dirty="0" smtClean="0"/>
+              <a:t>Some Stored Data</a:t>
+            </a:r>
+            <a:endParaRPr lang="en-US" dirty="0"/>
+          </a:p>
+        </p:txBody>
+      </p:sp>
+      <p:pic>
+        <p:nvPicPr>
+          <p:cNvPr id="4" name="Picture 3" descr="Screen Shot 2013-03-14 at 9.43.56 PM.png"/>
+          <p:cNvPicPr>
+            <a:picLocks noChangeAspect="1"/>
+          </p:cNvPicPr>
+          <p:nvPr/>
+        </p:nvPicPr>
+        <p:blipFill>
+          <a:blip r:embed="rId2">
+            <a:extLst>
+              <a:ext uri="{28A0092B-C50C-407E-A947-70E740481C1C}">
+                <a14:useLocalDpi xmlns:a14="http://schemas.microsoft.com/office/drawing/2010/main" val="0"/>
+              </a:ext>
+            </a:extLst>
+          </a:blip>
+          <a:stretch>
+            <a:fillRect/>
+          </a:stretch>
+        </p:blipFill>
+        <p:spPr>
+          <a:xfrm>
+            <a:off x="1254564" y="2410400"/>
+            <a:ext cx="7215687" cy="1431452"/>
+          </a:xfrm>
+          <a:prstGeom prst="rect">
+            <a:avLst/>
+          </a:prstGeom>
+        </p:spPr>
+      </p:pic>
+    </p:spTree>
+    <p:extLst>
+      <p:ext uri="{BB962C8B-B14F-4D97-AF65-F5344CB8AC3E}">
+        <p14:creationId xmlns:p14="http://schemas.microsoft.com/office/powerpoint/2010/main" val="3769809405"/>
+      </p:ext>
+    </p:extLst>
+  </p:cSld>
+  <p:clrMapOvr>
+    <a:masterClrMapping/>
+  </p:clrMapOvr>
+</p:sld>
+</file>
+
+<file path=ppt/slides/slide14.xml><?xml version="1.0" encoding="utf-8"?>
+<p:sld xmlns:a="http://schemas.openxmlformats.org/drawingml/2006/main" xmlns:r="http://schemas.openxmlformats.org/officeDocument/2006/relationships" xmlns:p="http://schemas.openxmlformats.org/presentationml/2006/main">
+  <p:cSld>
+    <p:spTree>
+      <p:nvGrpSpPr>
+        <p:cNvPr id="1" name=""/>
+        <p:cNvGrpSpPr/>
+        <p:nvPr/>
+      </p:nvGrpSpPr>
+      <p:grpSpPr>
+        <a:xfrm>
+          <a:off x="0" y="0"/>
+          <a:ext cx="0" cy="0"/>
+          <a:chOff x="0" y="0"/>
+          <a:chExt cx="0" cy="0"/>
+        </a:xfrm>
+      </p:grpSpPr>
+      <p:sp>
+        <p:nvSpPr>
+          <p:cNvPr id="2" name="Title 1"/>
+          <p:cNvSpPr>
+            <a:spLocks noGrp="1"/>
+          </p:cNvSpPr>
+          <p:nvPr>
+            <p:ph type="title"/>
+          </p:nvPr>
+        </p:nvSpPr>
+        <p:spPr/>
+        <p:txBody>
+          <a:bodyPr/>
+          <a:lstStyle/>
+          <a:p>
+            <a:r>
+              <a:rPr lang="en-US" dirty="0" smtClean="0"/>
+              <a:t>The </a:t>
+            </a:r>
+            <a:r>
+              <a:rPr lang="en-US" dirty="0" err="1" smtClean="0"/>
+              <a:t>SuperBasic</a:t>
+            </a:r>
+            <a:r>
+              <a:rPr lang="en-US" dirty="0" smtClean="0"/>
+              <a:t> Demo</a:t>
+            </a:r>
+            <a:endParaRPr lang="en-US" dirty="0"/>
+          </a:p>
+        </p:txBody>
+      </p:sp>
+      <p:sp>
+        <p:nvSpPr>
+          <p:cNvPr id="3" name="Content Placeholder 2"/>
+          <p:cNvSpPr>
+            <a:spLocks noGrp="1"/>
+          </p:cNvSpPr>
+          <p:nvPr>
+            <p:ph idx="1"/>
+          </p:nvPr>
+        </p:nvSpPr>
+        <p:spPr/>
+        <p:txBody>
+          <a:bodyPr/>
+          <a:lstStyle/>
+          <a:p>
+            <a:r>
+              <a:rPr lang="en-US" dirty="0" smtClean="0"/>
+              <a:t>Create a Database and an Object Store</a:t>
+            </a:r>
+            <a:endParaRPr lang="en-US" dirty="0"/>
+          </a:p>
+        </p:txBody>
+      </p:sp>
+    </p:spTree>
+    <p:extLst>
+      <p:ext uri="{BB962C8B-B14F-4D97-AF65-F5344CB8AC3E}">
+        <p14:creationId xmlns:p14="http://schemas.microsoft.com/office/powerpoint/2010/main" val="3217619526"/>
+      </p:ext>
+    </p:extLst>
+  </p:cSld>
+  <p:clrMapOvr>
+    <a:masterClrMapping/>
+  </p:clrMapOvr>
+</p:sld>
+</file>
+
 <file path=ppt/slides/slide2.xml><?xml version="1.0" encoding="utf-8"?>
 <p:sld xmlns:a="http://schemas.openxmlformats.org/drawingml/2006/main" xmlns:r="http://schemas.openxmlformats.org/officeDocument/2006/relationships" xmlns:p="http://schemas.openxmlformats.org/presentationml/2006/main">
   <p:cSld>
@@ -3867,11 +4335,7 @@
           <a:p>
             <a:r>
               <a:rPr lang="en-US" dirty="0" smtClean="0"/>
-              <a:t>Probably still </a:t>
-            </a:r>
-            <a:r>
-              <a:rPr lang="en-US" smtClean="0"/>
-              <a:t>some bugs</a:t>
+              <a:t>Probably still some bugs</a:t>
             </a:r>
           </a:p>
           <a:p>

--- a/IndexedDB_And_Random.pptx
+++ b/IndexedDB_And_Random.pptx
@@ -19,6 +19,10 @@
     <p:sldId id="268" r:id="rId13"/>
     <p:sldId id="269" r:id="rId14"/>
     <p:sldId id="267" r:id="rId15"/>
+    <p:sldId id="270" r:id="rId16"/>
+    <p:sldId id="271" r:id="rId17"/>
+    <p:sldId id="272" r:id="rId18"/>
+    <p:sldId id="273" r:id="rId19"/>
   </p:sldIdLst>
   <p:sldSz cx="9144000" cy="6858000" type="screen4x3"/>
   <p:notesSz cx="6858000" cy="9144000"/>
@@ -3625,6 +3629,412 @@
     <p:extLst>
       <p:ext uri="{BB962C8B-B14F-4D97-AF65-F5344CB8AC3E}">
         <p14:creationId xmlns:p14="http://schemas.microsoft.com/office/powerpoint/2010/main" val="3217619526"/>
+      </p:ext>
+    </p:extLst>
+  </p:cSld>
+  <p:clrMapOvr>
+    <a:masterClrMapping/>
+  </p:clrMapOvr>
+</p:sld>
+</file>
+
+<file path=ppt/slides/slide15.xml><?xml version="1.0" encoding="utf-8"?>
+<p:sld xmlns:a="http://schemas.openxmlformats.org/drawingml/2006/main" xmlns:r="http://schemas.openxmlformats.org/officeDocument/2006/relationships" xmlns:p="http://schemas.openxmlformats.org/presentationml/2006/main">
+  <p:cSld>
+    <p:spTree>
+      <p:nvGrpSpPr>
+        <p:cNvPr id="1" name=""/>
+        <p:cNvGrpSpPr/>
+        <p:nvPr/>
+      </p:nvGrpSpPr>
+      <p:grpSpPr>
+        <a:xfrm>
+          <a:off x="0" y="0"/>
+          <a:ext cx="0" cy="0"/>
+          <a:chOff x="0" y="0"/>
+          <a:chExt cx="0" cy="0"/>
+        </a:xfrm>
+      </p:grpSpPr>
+      <p:sp>
+        <p:nvSpPr>
+          <p:cNvPr id="2" name="Title 1"/>
+          <p:cNvSpPr>
+            <a:spLocks noGrp="1"/>
+          </p:cNvSpPr>
+          <p:nvPr>
+            <p:ph type="title"/>
+          </p:nvPr>
+        </p:nvSpPr>
+        <p:spPr/>
+        <p:txBody>
+          <a:bodyPr/>
+          <a:lstStyle/>
+          <a:p>
+            <a:r>
+              <a:rPr lang="en-US" dirty="0" smtClean="0"/>
+              <a:t>Fail</a:t>
+            </a:r>
+            <a:endParaRPr lang="en-US" dirty="0"/>
+          </a:p>
+        </p:txBody>
+      </p:sp>
+      <p:sp>
+        <p:nvSpPr>
+          <p:cNvPr id="3" name="Content Placeholder 2"/>
+          <p:cNvSpPr>
+            <a:spLocks noGrp="1"/>
+          </p:cNvSpPr>
+          <p:nvPr>
+            <p:ph idx="1"/>
+          </p:nvPr>
+        </p:nvSpPr>
+        <p:spPr/>
+        <p:txBody>
+          <a:bodyPr/>
+          <a:lstStyle/>
+          <a:p>
+            <a:r>
+              <a:rPr lang="en-US" dirty="0" smtClean="0"/>
+              <a:t>Why were we not seeing anything?</a:t>
+            </a:r>
+          </a:p>
+          <a:p>
+            <a:endParaRPr lang="en-US" dirty="0"/>
+          </a:p>
+          <a:p>
+            <a:r>
+              <a:rPr lang="en-US" dirty="0" smtClean="0"/>
+              <a:t>File:// based paths are not supported </a:t>
+            </a:r>
+            <a:r>
+              <a:rPr lang="en-US" dirty="0" smtClean="0">
+                <a:sym typeface="Wingdings"/>
+              </a:rPr>
+              <a:t></a:t>
+            </a:r>
+            <a:endParaRPr lang="en-US" dirty="0"/>
+          </a:p>
+        </p:txBody>
+      </p:sp>
+    </p:spTree>
+    <p:extLst>
+      <p:ext uri="{BB962C8B-B14F-4D97-AF65-F5344CB8AC3E}">
+        <p14:creationId xmlns:p14="http://schemas.microsoft.com/office/powerpoint/2010/main" val="1956174889"/>
+      </p:ext>
+    </p:extLst>
+  </p:cSld>
+  <p:clrMapOvr>
+    <a:masterClrMapping/>
+  </p:clrMapOvr>
+</p:sld>
+</file>
+
+<file path=ppt/slides/slide16.xml><?xml version="1.0" encoding="utf-8"?>
+<p:sld xmlns:a="http://schemas.openxmlformats.org/drawingml/2006/main" xmlns:r="http://schemas.openxmlformats.org/officeDocument/2006/relationships" xmlns:p="http://schemas.openxmlformats.org/presentationml/2006/main">
+  <p:cSld>
+    <p:spTree>
+      <p:nvGrpSpPr>
+        <p:cNvPr id="1" name=""/>
+        <p:cNvGrpSpPr/>
+        <p:nvPr/>
+      </p:nvGrpSpPr>
+      <p:grpSpPr>
+        <a:xfrm>
+          <a:off x="0" y="0"/>
+          <a:ext cx="0" cy="0"/>
+          <a:chOff x="0" y="0"/>
+          <a:chExt cx="0" cy="0"/>
+        </a:xfrm>
+      </p:grpSpPr>
+      <p:sp>
+        <p:nvSpPr>
+          <p:cNvPr id="2" name="Title 1"/>
+          <p:cNvSpPr>
+            <a:spLocks noGrp="1"/>
+          </p:cNvSpPr>
+          <p:nvPr>
+            <p:ph type="title"/>
+          </p:nvPr>
+        </p:nvSpPr>
+        <p:spPr/>
+        <p:txBody>
+          <a:bodyPr/>
+          <a:lstStyle/>
+          <a:p>
+            <a:r>
+              <a:rPr lang="en-US" dirty="0" smtClean="0"/>
+              <a:t>We need a little hosting</a:t>
+            </a:r>
+            <a:endParaRPr lang="en-US" dirty="0"/>
+          </a:p>
+        </p:txBody>
+      </p:sp>
+      <p:sp>
+        <p:nvSpPr>
+          <p:cNvPr id="3" name="Content Placeholder 2"/>
+          <p:cNvSpPr>
+            <a:spLocks noGrp="1"/>
+          </p:cNvSpPr>
+          <p:nvPr>
+            <p:ph idx="1"/>
+          </p:nvPr>
+        </p:nvSpPr>
+        <p:spPr/>
+        <p:txBody>
+          <a:bodyPr/>
+          <a:lstStyle/>
+          <a:p>
+            <a:r>
+              <a:rPr lang="en-US" dirty="0" smtClean="0"/>
+              <a:t>Since we are going Full-JavaScript, lets go node.</a:t>
+            </a:r>
+          </a:p>
+          <a:p>
+            <a:endParaRPr lang="en-US" dirty="0"/>
+          </a:p>
+          <a:p>
+            <a:r>
+              <a:rPr lang="en-US" dirty="0" smtClean="0"/>
+              <a:t>Node allows for JavaScript on the server.</a:t>
+            </a:r>
+            <a:endParaRPr lang="en-US" dirty="0"/>
+          </a:p>
+        </p:txBody>
+      </p:sp>
+    </p:spTree>
+    <p:extLst>
+      <p:ext uri="{BB962C8B-B14F-4D97-AF65-F5344CB8AC3E}">
+        <p14:creationId xmlns:p14="http://schemas.microsoft.com/office/powerpoint/2010/main" val="242311445"/>
+      </p:ext>
+    </p:extLst>
+  </p:cSld>
+  <p:clrMapOvr>
+    <a:masterClrMapping/>
+  </p:clrMapOvr>
+</p:sld>
+</file>
+
+<file path=ppt/slides/slide17.xml><?xml version="1.0" encoding="utf-8"?>
+<p:sld xmlns:a="http://schemas.openxmlformats.org/drawingml/2006/main" xmlns:r="http://schemas.openxmlformats.org/officeDocument/2006/relationships" xmlns:p="http://schemas.openxmlformats.org/presentationml/2006/main">
+  <p:cSld>
+    <p:spTree>
+      <p:nvGrpSpPr>
+        <p:cNvPr id="1" name=""/>
+        <p:cNvGrpSpPr/>
+        <p:nvPr/>
+      </p:nvGrpSpPr>
+      <p:grpSpPr>
+        <a:xfrm>
+          <a:off x="0" y="0"/>
+          <a:ext cx="0" cy="0"/>
+          <a:chOff x="0" y="0"/>
+          <a:chExt cx="0" cy="0"/>
+        </a:xfrm>
+      </p:grpSpPr>
+      <p:sp>
+        <p:nvSpPr>
+          <p:cNvPr id="2" name="Title 1"/>
+          <p:cNvSpPr>
+            <a:spLocks noGrp="1"/>
+          </p:cNvSpPr>
+          <p:nvPr>
+            <p:ph type="title"/>
+          </p:nvPr>
+        </p:nvSpPr>
+        <p:spPr/>
+        <p:txBody>
+          <a:bodyPr/>
+          <a:lstStyle/>
+          <a:p>
+            <a:r>
+              <a:rPr lang="en-US" dirty="0" smtClean="0"/>
+              <a:t>Node</a:t>
+            </a:r>
+            <a:endParaRPr lang="en-US" dirty="0"/>
+          </a:p>
+        </p:txBody>
+      </p:sp>
+      <p:sp>
+        <p:nvSpPr>
+          <p:cNvPr id="3" name="Content Placeholder 2"/>
+          <p:cNvSpPr>
+            <a:spLocks noGrp="1"/>
+          </p:cNvSpPr>
+          <p:nvPr>
+            <p:ph idx="1"/>
+          </p:nvPr>
+        </p:nvSpPr>
+        <p:spPr/>
+        <p:txBody>
+          <a:bodyPr>
+            <a:normAutofit lnSpcReduction="10000"/>
+          </a:bodyPr>
+          <a:lstStyle/>
+          <a:p>
+            <a:r>
+              <a:rPr lang="en-US" dirty="0" smtClean="0"/>
+              <a:t>Installing is easy</a:t>
+            </a:r>
+          </a:p>
+          <a:p>
+            <a:pPr lvl="1"/>
+            <a:r>
+              <a:rPr lang="en-US" dirty="0" err="1" smtClean="0"/>
+              <a:t>Nodejs.org</a:t>
+            </a:r>
+            <a:endParaRPr lang="en-US" dirty="0" smtClean="0"/>
+          </a:p>
+          <a:p>
+            <a:r>
+              <a:rPr lang="en-US" dirty="0" smtClean="0"/>
+              <a:t>Use </a:t>
+            </a:r>
+            <a:r>
+              <a:rPr lang="en-US" dirty="0" err="1" smtClean="0"/>
+              <a:t>npm</a:t>
+            </a:r>
+            <a:r>
+              <a:rPr lang="en-US" dirty="0" smtClean="0"/>
+              <a:t> to install express and </a:t>
+            </a:r>
+            <a:r>
+              <a:rPr lang="en-US" dirty="0" err="1" smtClean="0"/>
+              <a:t>ejs</a:t>
+            </a:r>
+            <a:endParaRPr lang="en-US" dirty="0" smtClean="0"/>
+          </a:p>
+          <a:p>
+            <a:pPr lvl="1"/>
+            <a:r>
+              <a:rPr lang="en-US" dirty="0" err="1" smtClean="0"/>
+              <a:t>npm</a:t>
+            </a:r>
+            <a:r>
+              <a:rPr lang="en-US" dirty="0" smtClean="0"/>
+              <a:t> install express</a:t>
+            </a:r>
+          </a:p>
+          <a:p>
+            <a:pPr lvl="1"/>
+            <a:r>
+              <a:rPr lang="en-US" dirty="0" err="1" smtClean="0"/>
+              <a:t>npm</a:t>
+            </a:r>
+            <a:r>
+              <a:rPr lang="en-US" dirty="0" smtClean="0"/>
+              <a:t> install </a:t>
+            </a:r>
+            <a:r>
+              <a:rPr lang="en-US" dirty="0" err="1" smtClean="0"/>
+              <a:t>ejs</a:t>
+            </a:r>
+            <a:endParaRPr lang="en-US" dirty="0" smtClean="0"/>
+          </a:p>
+          <a:p>
+            <a:r>
+              <a:rPr lang="en-US" dirty="0" smtClean="0"/>
+              <a:t>Use express to create a really basic site</a:t>
+            </a:r>
+          </a:p>
+          <a:p>
+            <a:pPr lvl="1"/>
+            <a:r>
+              <a:rPr lang="en-US" dirty="0" smtClean="0"/>
+              <a:t>express –e </a:t>
+            </a:r>
+          </a:p>
+          <a:p>
+            <a:r>
+              <a:rPr lang="en-US" dirty="0" smtClean="0"/>
+              <a:t>Run the site</a:t>
+            </a:r>
+          </a:p>
+          <a:p>
+            <a:pPr lvl="1"/>
+            <a:r>
+              <a:rPr lang="en-US" dirty="0" smtClean="0"/>
+              <a:t>node </a:t>
+            </a:r>
+            <a:r>
+              <a:rPr lang="en-US" dirty="0" err="1" smtClean="0"/>
+              <a:t>app.js</a:t>
+            </a:r>
+            <a:endParaRPr lang="en-US" dirty="0"/>
+          </a:p>
+        </p:txBody>
+      </p:sp>
+    </p:spTree>
+    <p:extLst>
+      <p:ext uri="{BB962C8B-B14F-4D97-AF65-F5344CB8AC3E}">
+        <p14:creationId xmlns:p14="http://schemas.microsoft.com/office/powerpoint/2010/main" val="1502819855"/>
+      </p:ext>
+    </p:extLst>
+  </p:cSld>
+  <p:clrMapOvr>
+    <a:masterClrMapping/>
+  </p:clrMapOvr>
+</p:sld>
+</file>
+
+<file path=ppt/slides/slide18.xml><?xml version="1.0" encoding="utf-8"?>
+<p:sld xmlns:a="http://schemas.openxmlformats.org/drawingml/2006/main" xmlns:r="http://schemas.openxmlformats.org/officeDocument/2006/relationships" xmlns:p="http://schemas.openxmlformats.org/presentationml/2006/main">
+  <p:cSld>
+    <p:spTree>
+      <p:nvGrpSpPr>
+        <p:cNvPr id="1" name=""/>
+        <p:cNvGrpSpPr/>
+        <p:nvPr/>
+      </p:nvGrpSpPr>
+      <p:grpSpPr>
+        <a:xfrm>
+          <a:off x="0" y="0"/>
+          <a:ext cx="0" cy="0"/>
+          <a:chOff x="0" y="0"/>
+          <a:chExt cx="0" cy="0"/>
+        </a:xfrm>
+      </p:grpSpPr>
+      <p:sp>
+        <p:nvSpPr>
+          <p:cNvPr id="2" name="Title 1"/>
+          <p:cNvSpPr>
+            <a:spLocks noGrp="1"/>
+          </p:cNvSpPr>
+          <p:nvPr>
+            <p:ph type="title"/>
+          </p:nvPr>
+        </p:nvSpPr>
+        <p:spPr/>
+        <p:txBody>
+          <a:bodyPr/>
+          <a:lstStyle/>
+          <a:p>
+            <a:endParaRPr lang="en-US"/>
+          </a:p>
+        </p:txBody>
+      </p:sp>
+      <p:sp>
+        <p:nvSpPr>
+          <p:cNvPr id="3" name="Content Placeholder 2"/>
+          <p:cNvSpPr>
+            <a:spLocks noGrp="1"/>
+          </p:cNvSpPr>
+          <p:nvPr>
+            <p:ph idx="1"/>
+          </p:nvPr>
+        </p:nvSpPr>
+        <p:spPr/>
+        <p:txBody>
+          <a:bodyPr/>
+          <a:lstStyle/>
+          <a:p>
+            <a:endParaRPr lang="en-US"/>
+          </a:p>
+        </p:txBody>
+      </p:sp>
+    </p:spTree>
+    <p:extLst>
+      <p:ext uri="{BB962C8B-B14F-4D97-AF65-F5344CB8AC3E}">
+        <p14:creationId xmlns:p14="http://schemas.microsoft.com/office/powerpoint/2010/main" val="3332033019"/>
       </p:ext>
     </p:extLst>
   </p:cSld>

--- a/IndexedDB_And_Random.pptx
+++ b/IndexedDB_And_Random.pptx
@@ -4008,7 +4008,7 @@
           <a:bodyPr/>
           <a:lstStyle/>
           <a:p>
-            <a:endParaRPr lang="en-US"/>
+            <a:endParaRPr lang="en-US" dirty="0"/>
           </a:p>
         </p:txBody>
       </p:sp>
@@ -4251,22 +4251,40 @@
           <a:p>
             <a:r>
               <a:rPr lang="en-US" dirty="0" smtClean="0"/>
-              <a:t>Data on the client</a:t>
-            </a:r>
-          </a:p>
-          <a:p>
-            <a:r>
-              <a:rPr lang="en-US" dirty="0" smtClean="0"/>
-              <a:t>Disconnected data</a:t>
-            </a:r>
-          </a:p>
-          <a:p>
-            <a:r>
-              <a:rPr lang="en-US" dirty="0" smtClean="0"/>
-              <a:t>Pushing data to the client</a:t>
-            </a:r>
-          </a:p>
-          <a:p>
+              <a:t>Data on the client (local storage / </a:t>
+            </a:r>
+            <a:r>
+              <a:rPr lang="en-US" dirty="0" err="1" smtClean="0"/>
+              <a:t>IndexedDB</a:t>
+            </a:r>
+            <a:r>
+              <a:rPr lang="en-US" dirty="0" smtClean="0"/>
+              <a:t>)</a:t>
+            </a:r>
+          </a:p>
+          <a:p>
+            <a:r>
+              <a:rPr lang="en-US" dirty="0" smtClean="0"/>
+              <a:t>Disconnected data (offline)</a:t>
+            </a:r>
+          </a:p>
+          <a:p>
+            <a:r>
+              <a:rPr lang="en-US" dirty="0" smtClean="0"/>
+              <a:t>Pushing data to the client (web sockets)</a:t>
+            </a:r>
+          </a:p>
+          <a:p>
+            <a:r>
+              <a:rPr lang="en-US" dirty="0" smtClean="0"/>
+              <a:t>Canvas </a:t>
+            </a:r>
+          </a:p>
+          <a:p>
+            <a:r>
+              <a:rPr lang="en-US" dirty="0" err="1" smtClean="0"/>
+              <a:t>WebGL</a:t>
+            </a:r>
             <a:endParaRPr lang="en-US" dirty="0"/>
           </a:p>
         </p:txBody>

--- a/IndexedDB_And_Random.pptx
+++ b/IndexedDB_And_Random.pptx
@@ -22,7 +22,12 @@
     <p:sldId id="270" r:id="rId16"/>
     <p:sldId id="271" r:id="rId17"/>
     <p:sldId id="272" r:id="rId18"/>
-    <p:sldId id="273" r:id="rId19"/>
+    <p:sldId id="277" r:id="rId19"/>
+    <p:sldId id="278" r:id="rId20"/>
+    <p:sldId id="273" r:id="rId21"/>
+    <p:sldId id="274" r:id="rId22"/>
+    <p:sldId id="275" r:id="rId23"/>
+    <p:sldId id="276" r:id="rId24"/>
   </p:sldIdLst>
   <p:sldSz cx="9144000" cy="6858000" type="screen4x3"/>
   <p:notesSz cx="6858000" cy="9144000"/>
@@ -4008,6 +4013,14 @@
           <a:bodyPr/>
           <a:lstStyle/>
           <a:p>
+            <a:r>
+              <a:rPr lang="en-US" dirty="0" err="1" smtClean="0"/>
+              <a:t>IndexedDB</a:t>
+            </a:r>
+            <a:r>
+              <a:rPr lang="en-US" dirty="0" smtClean="0"/>
+              <a:t> + Node</a:t>
+            </a:r>
             <a:endParaRPr lang="en-US" dirty="0"/>
           </a:p>
         </p:txBody>
@@ -4027,14 +4040,113 @@
           <a:bodyPr/>
           <a:lstStyle/>
           <a:p>
-            <a:endParaRPr lang="en-US"/>
+            <a:r>
+              <a:rPr lang="en-US" dirty="0" smtClean="0"/>
+              <a:t>Demo3working</a:t>
+            </a:r>
+            <a:endParaRPr lang="en-US" dirty="0"/>
           </a:p>
         </p:txBody>
       </p:sp>
     </p:spTree>
     <p:extLst>
       <p:ext uri="{BB962C8B-B14F-4D97-AF65-F5344CB8AC3E}">
-        <p14:creationId xmlns:p14="http://schemas.microsoft.com/office/powerpoint/2010/main" val="3332033019"/>
+        <p14:creationId xmlns:p14="http://schemas.microsoft.com/office/powerpoint/2010/main" val="3824795908"/>
+      </p:ext>
+    </p:extLst>
+  </p:cSld>
+  <p:clrMapOvr>
+    <a:masterClrMapping/>
+  </p:clrMapOvr>
+</p:sld>
+</file>
+
+<file path=ppt/slides/slide19.xml><?xml version="1.0" encoding="utf-8"?>
+<p:sld xmlns:a="http://schemas.openxmlformats.org/drawingml/2006/main" xmlns:r="http://schemas.openxmlformats.org/officeDocument/2006/relationships" xmlns:p="http://schemas.openxmlformats.org/presentationml/2006/main">
+  <p:cSld>
+    <p:spTree>
+      <p:nvGrpSpPr>
+        <p:cNvPr id="1" name=""/>
+        <p:cNvGrpSpPr/>
+        <p:nvPr/>
+      </p:nvGrpSpPr>
+      <p:grpSpPr>
+        <a:xfrm>
+          <a:off x="0" y="0"/>
+          <a:ext cx="0" cy="0"/>
+          <a:chOff x="0" y="0"/>
+          <a:chExt cx="0" cy="0"/>
+        </a:xfrm>
+      </p:grpSpPr>
+      <p:sp>
+        <p:nvSpPr>
+          <p:cNvPr id="2" name="Title 1"/>
+          <p:cNvSpPr>
+            <a:spLocks noGrp="1"/>
+          </p:cNvSpPr>
+          <p:nvPr>
+            <p:ph type="title"/>
+          </p:nvPr>
+        </p:nvSpPr>
+        <p:spPr/>
+        <p:txBody>
+          <a:bodyPr/>
+          <a:lstStyle/>
+          <a:p>
+            <a:r>
+              <a:rPr lang="en-US" dirty="0" smtClean="0"/>
+              <a:t>Saving some stuff</a:t>
+            </a:r>
+            <a:endParaRPr lang="en-US" dirty="0"/>
+          </a:p>
+        </p:txBody>
+      </p:sp>
+      <p:sp>
+        <p:nvSpPr>
+          <p:cNvPr id="3" name="Content Placeholder 2"/>
+          <p:cNvSpPr>
+            <a:spLocks noGrp="1"/>
+          </p:cNvSpPr>
+          <p:nvPr>
+            <p:ph idx="1"/>
+          </p:nvPr>
+        </p:nvSpPr>
+        <p:spPr/>
+        <p:txBody>
+          <a:bodyPr/>
+          <a:lstStyle/>
+          <a:p>
+            <a:r>
+              <a:rPr lang="en-US" dirty="0" smtClean="0"/>
+              <a:t>Use put to save</a:t>
+            </a:r>
+          </a:p>
+          <a:p>
+            <a:r>
+              <a:rPr lang="en-US" dirty="0" smtClean="0"/>
+              <a:t>Saving </a:t>
+            </a:r>
+            <a:r>
+              <a:rPr lang="en-US" smtClean="0"/>
+              <a:t>an object</a:t>
+            </a:r>
+          </a:p>
+          <a:p>
+            <a:endParaRPr lang="en-US" dirty="0"/>
+          </a:p>
+          <a:p>
+            <a:r>
+              <a:rPr lang="en-US" dirty="0" smtClean="0"/>
+              <a:t>Demo4</a:t>
+            </a:r>
+            <a:endParaRPr lang="en-US" dirty="0"/>
+          </a:p>
+        </p:txBody>
+      </p:sp>
+    </p:spTree>
+    <p:extLst>
+      <p:ext uri="{BB962C8B-B14F-4D97-AF65-F5344CB8AC3E}">
+        <p14:creationId xmlns:p14="http://schemas.microsoft.com/office/powerpoint/2010/main" val="1699156036"/>
       </p:ext>
     </p:extLst>
   </p:cSld>
@@ -4125,6 +4237,351 @@
     <p:extLst>
       <p:ext uri="{BB962C8B-B14F-4D97-AF65-F5344CB8AC3E}">
         <p14:creationId xmlns:p14="http://schemas.microsoft.com/office/powerpoint/2010/main" val="3866878405"/>
+      </p:ext>
+    </p:extLst>
+  </p:cSld>
+  <p:clrMapOvr>
+    <a:masterClrMapping/>
+  </p:clrMapOvr>
+</p:sld>
+</file>
+
+<file path=ppt/slides/slide20.xml><?xml version="1.0" encoding="utf-8"?>
+<p:sld xmlns:a="http://schemas.openxmlformats.org/drawingml/2006/main" xmlns:r="http://schemas.openxmlformats.org/officeDocument/2006/relationships" xmlns:p="http://schemas.openxmlformats.org/presentationml/2006/main">
+  <p:cSld>
+    <p:spTree>
+      <p:nvGrpSpPr>
+        <p:cNvPr id="1" name=""/>
+        <p:cNvGrpSpPr/>
+        <p:nvPr/>
+      </p:nvGrpSpPr>
+      <p:grpSpPr>
+        <a:xfrm>
+          <a:off x="0" y="0"/>
+          <a:ext cx="0" cy="0"/>
+          <a:chOff x="0" y="0"/>
+          <a:chExt cx="0" cy="0"/>
+        </a:xfrm>
+      </p:grpSpPr>
+      <p:sp>
+        <p:nvSpPr>
+          <p:cNvPr id="4" name="Title 3"/>
+          <p:cNvSpPr>
+            <a:spLocks noGrp="1"/>
+          </p:cNvSpPr>
+          <p:nvPr>
+            <p:ph type="title"/>
+          </p:nvPr>
+        </p:nvSpPr>
+        <p:spPr/>
+        <p:txBody>
+          <a:bodyPr/>
+          <a:lstStyle/>
+          <a:p>
+            <a:r>
+              <a:rPr lang="en-US" dirty="0" smtClean="0"/>
+              <a:t>Other cool things to explore</a:t>
+            </a:r>
+            <a:endParaRPr lang="en-US" dirty="0"/>
+          </a:p>
+        </p:txBody>
+      </p:sp>
+      <p:sp>
+        <p:nvSpPr>
+          <p:cNvPr id="5" name="Text Placeholder 4"/>
+          <p:cNvSpPr>
+            <a:spLocks noGrp="1"/>
+          </p:cNvSpPr>
+          <p:nvPr>
+            <p:ph type="body" idx="1"/>
+          </p:nvPr>
+        </p:nvSpPr>
+        <p:spPr/>
+        <p:txBody>
+          <a:bodyPr/>
+          <a:lstStyle/>
+          <a:p>
+            <a:endParaRPr lang="en-US"/>
+          </a:p>
+        </p:txBody>
+      </p:sp>
+    </p:spTree>
+    <p:extLst>
+      <p:ext uri="{BB962C8B-B14F-4D97-AF65-F5344CB8AC3E}">
+        <p14:creationId xmlns:p14="http://schemas.microsoft.com/office/powerpoint/2010/main" val="3332033019"/>
+      </p:ext>
+    </p:extLst>
+  </p:cSld>
+  <p:clrMapOvr>
+    <a:masterClrMapping/>
+  </p:clrMapOvr>
+</p:sld>
+</file>
+
+<file path=ppt/slides/slide21.xml><?xml version="1.0" encoding="utf-8"?>
+<p:sld xmlns:a="http://schemas.openxmlformats.org/drawingml/2006/main" xmlns:r="http://schemas.openxmlformats.org/officeDocument/2006/relationships" xmlns:p="http://schemas.openxmlformats.org/presentationml/2006/main">
+  <p:cSld>
+    <p:spTree>
+      <p:nvGrpSpPr>
+        <p:cNvPr id="1" name=""/>
+        <p:cNvGrpSpPr/>
+        <p:nvPr/>
+      </p:nvGrpSpPr>
+      <p:grpSpPr>
+        <a:xfrm>
+          <a:off x="0" y="0"/>
+          <a:ext cx="0" cy="0"/>
+          <a:chOff x="0" y="0"/>
+          <a:chExt cx="0" cy="0"/>
+        </a:xfrm>
+      </p:grpSpPr>
+      <p:sp>
+        <p:nvSpPr>
+          <p:cNvPr id="2" name="Title 1"/>
+          <p:cNvSpPr>
+            <a:spLocks noGrp="1"/>
+          </p:cNvSpPr>
+          <p:nvPr>
+            <p:ph type="title"/>
+          </p:nvPr>
+        </p:nvSpPr>
+        <p:spPr/>
+        <p:txBody>
+          <a:bodyPr/>
+          <a:lstStyle/>
+          <a:p>
+            <a:r>
+              <a:rPr lang="en-US" dirty="0" smtClean="0"/>
+              <a:t>Cloud9</a:t>
+            </a:r>
+            <a:endParaRPr lang="en-US" dirty="0"/>
+          </a:p>
+        </p:txBody>
+      </p:sp>
+      <p:pic>
+        <p:nvPicPr>
+          <p:cNvPr id="5" name="Picture 4" descr="Screen Shot 2013-03-14 at 11.01.45 PM.png"/>
+          <p:cNvPicPr>
+            <a:picLocks noChangeAspect="1"/>
+          </p:cNvPicPr>
+          <p:nvPr/>
+        </p:nvPicPr>
+        <p:blipFill>
+          <a:blip r:embed="rId2">
+            <a:extLst>
+              <a:ext uri="{28A0092B-C50C-407E-A947-70E740481C1C}">
+                <a14:useLocalDpi xmlns:a14="http://schemas.microsoft.com/office/drawing/2010/main" val="0"/>
+              </a:ext>
+            </a:extLst>
+          </a:blip>
+          <a:stretch>
+            <a:fillRect/>
+          </a:stretch>
+        </p:blipFill>
+        <p:spPr>
+          <a:xfrm>
+            <a:off x="2431689" y="1264702"/>
+            <a:ext cx="4831566" cy="5244831"/>
+          </a:xfrm>
+          <a:prstGeom prst="rect">
+            <a:avLst/>
+          </a:prstGeom>
+        </p:spPr>
+      </p:pic>
+    </p:spTree>
+    <p:extLst>
+      <p:ext uri="{BB962C8B-B14F-4D97-AF65-F5344CB8AC3E}">
+        <p14:creationId xmlns:p14="http://schemas.microsoft.com/office/powerpoint/2010/main" val="2282842399"/>
+      </p:ext>
+    </p:extLst>
+  </p:cSld>
+  <p:clrMapOvr>
+    <a:masterClrMapping/>
+  </p:clrMapOvr>
+</p:sld>
+</file>
+
+<file path=ppt/slides/slide22.xml><?xml version="1.0" encoding="utf-8"?>
+<p:sld xmlns:a="http://schemas.openxmlformats.org/drawingml/2006/main" xmlns:r="http://schemas.openxmlformats.org/officeDocument/2006/relationships" xmlns:p="http://schemas.openxmlformats.org/presentationml/2006/main">
+  <p:cSld>
+    <p:spTree>
+      <p:nvGrpSpPr>
+        <p:cNvPr id="1" name=""/>
+        <p:cNvGrpSpPr/>
+        <p:nvPr/>
+      </p:nvGrpSpPr>
+      <p:grpSpPr>
+        <a:xfrm>
+          <a:off x="0" y="0"/>
+          <a:ext cx="0" cy="0"/>
+          <a:chOff x="0" y="0"/>
+          <a:chExt cx="0" cy="0"/>
+        </a:xfrm>
+      </p:grpSpPr>
+      <p:sp>
+        <p:nvSpPr>
+          <p:cNvPr id="2" name="Title 1"/>
+          <p:cNvSpPr>
+            <a:spLocks noGrp="1"/>
+          </p:cNvSpPr>
+          <p:nvPr>
+            <p:ph type="title"/>
+          </p:nvPr>
+        </p:nvSpPr>
+        <p:spPr/>
+        <p:txBody>
+          <a:bodyPr/>
+          <a:lstStyle/>
+          <a:p>
+            <a:r>
+              <a:rPr lang="en-US" dirty="0" err="1" smtClean="0"/>
+              <a:t>Trello</a:t>
+            </a:r>
+            <a:endParaRPr lang="en-US" dirty="0"/>
+          </a:p>
+        </p:txBody>
+      </p:sp>
+      <p:pic>
+        <p:nvPicPr>
+          <p:cNvPr id="4" name="Picture 3"/>
+          <p:cNvPicPr>
+            <a:picLocks noChangeAspect="1"/>
+          </p:cNvPicPr>
+          <p:nvPr/>
+        </p:nvPicPr>
+        <p:blipFill>
+          <a:blip r:embed="rId2"/>
+          <a:stretch>
+            <a:fillRect/>
+          </a:stretch>
+        </p:blipFill>
+        <p:spPr>
+          <a:xfrm>
+            <a:off x="914400" y="1361060"/>
+            <a:ext cx="7302500" cy="4724400"/>
+          </a:xfrm>
+          <a:prstGeom prst="rect">
+            <a:avLst/>
+          </a:prstGeom>
+        </p:spPr>
+      </p:pic>
+    </p:spTree>
+    <p:extLst>
+      <p:ext uri="{BB962C8B-B14F-4D97-AF65-F5344CB8AC3E}">
+        <p14:creationId xmlns:p14="http://schemas.microsoft.com/office/powerpoint/2010/main" val="396408292"/>
+      </p:ext>
+    </p:extLst>
+  </p:cSld>
+  <p:clrMapOvr>
+    <a:masterClrMapping/>
+  </p:clrMapOvr>
+</p:sld>
+</file>
+
+<file path=ppt/slides/slide23.xml><?xml version="1.0" encoding="utf-8"?>
+<p:sld xmlns:a="http://schemas.openxmlformats.org/drawingml/2006/main" xmlns:r="http://schemas.openxmlformats.org/officeDocument/2006/relationships" xmlns:p="http://schemas.openxmlformats.org/presentationml/2006/main">
+  <p:cSld>
+    <p:spTree>
+      <p:nvGrpSpPr>
+        <p:cNvPr id="1" name=""/>
+        <p:cNvGrpSpPr/>
+        <p:nvPr/>
+      </p:nvGrpSpPr>
+      <p:grpSpPr>
+        <a:xfrm>
+          <a:off x="0" y="0"/>
+          <a:ext cx="0" cy="0"/>
+          <a:chOff x="0" y="0"/>
+          <a:chExt cx="0" cy="0"/>
+        </a:xfrm>
+      </p:grpSpPr>
+      <p:sp>
+        <p:nvSpPr>
+          <p:cNvPr id="2" name="Title 1"/>
+          <p:cNvSpPr>
+            <a:spLocks noGrp="1"/>
+          </p:cNvSpPr>
+          <p:nvPr>
+            <p:ph type="title"/>
+          </p:nvPr>
+        </p:nvSpPr>
+        <p:spPr/>
+        <p:txBody>
+          <a:bodyPr/>
+          <a:lstStyle/>
+          <a:p>
+            <a:r>
+              <a:rPr lang="en-US" dirty="0" smtClean="0"/>
+              <a:t>Push based architectures</a:t>
+            </a:r>
+            <a:endParaRPr lang="en-US" dirty="0"/>
+          </a:p>
+        </p:txBody>
+      </p:sp>
+      <p:sp>
+        <p:nvSpPr>
+          <p:cNvPr id="3" name="Content Placeholder 2"/>
+          <p:cNvSpPr>
+            <a:spLocks noGrp="1"/>
+          </p:cNvSpPr>
+          <p:nvPr>
+            <p:ph idx="1"/>
+          </p:nvPr>
+        </p:nvSpPr>
+        <p:spPr/>
+        <p:txBody>
+          <a:bodyPr/>
+          <a:lstStyle/>
+          <a:p>
+            <a:r>
+              <a:rPr lang="en-US" dirty="0" smtClean="0"/>
+              <a:t>Write now most sites pull for data</a:t>
+            </a:r>
+          </a:p>
+          <a:p>
+            <a:r>
+              <a:rPr lang="en-US" dirty="0" err="1" smtClean="0"/>
+              <a:t>Github</a:t>
+            </a:r>
+            <a:r>
+              <a:rPr lang="en-US" dirty="0" smtClean="0"/>
+              <a:t> pulls about every 10 seconds </a:t>
+            </a:r>
+          </a:p>
+          <a:p>
+            <a:pPr lvl="1"/>
+            <a:r>
+              <a:rPr lang="en-US" dirty="0" smtClean="0"/>
+              <a:t>Ajax calls to retrieve data</a:t>
+            </a:r>
+          </a:p>
+          <a:p>
+            <a:endParaRPr lang="en-US" dirty="0"/>
+          </a:p>
+          <a:p>
+            <a:r>
+              <a:rPr lang="en-US" dirty="0" smtClean="0"/>
+              <a:t>Why not just push the changes to the active listeners?</a:t>
+            </a:r>
+          </a:p>
+          <a:p>
+            <a:pPr marL="457200" lvl="1" indent="0">
+              <a:buNone/>
+            </a:pPr>
+            <a:endParaRPr lang="en-US" dirty="0" smtClean="0"/>
+          </a:p>
+          <a:p>
+            <a:pPr marL="457200" lvl="1" indent="0">
+              <a:buNone/>
+            </a:pPr>
+            <a:endParaRPr lang="en-US" dirty="0"/>
+          </a:p>
+        </p:txBody>
+      </p:sp>
+    </p:spTree>
+    <p:extLst>
+      <p:ext uri="{BB962C8B-B14F-4D97-AF65-F5344CB8AC3E}">
+        <p14:creationId xmlns:p14="http://schemas.microsoft.com/office/powerpoint/2010/main" val="2770249291"/>
       </p:ext>
     </p:extLst>
   </p:cSld>

--- a/IndexedDB_And_Random.pptx
+++ b/IndexedDB_And_Random.pptx
@@ -24,10 +24,11 @@
     <p:sldId id="272" r:id="rId18"/>
     <p:sldId id="277" r:id="rId19"/>
     <p:sldId id="278" r:id="rId20"/>
-    <p:sldId id="273" r:id="rId21"/>
-    <p:sldId id="274" r:id="rId22"/>
-    <p:sldId id="275" r:id="rId23"/>
-    <p:sldId id="276" r:id="rId24"/>
+    <p:sldId id="279" r:id="rId21"/>
+    <p:sldId id="273" r:id="rId22"/>
+    <p:sldId id="274" r:id="rId23"/>
+    <p:sldId id="275" r:id="rId24"/>
+    <p:sldId id="276" r:id="rId25"/>
   </p:sldIdLst>
   <p:sldSz cx="9144000" cy="6858000" type="screen4x3"/>
   <p:notesSz cx="6858000" cy="9144000"/>
@@ -310,7 +311,8 @@
           <a:p>
             <a:fld id="{0F70C2D2-E619-5E46-BF05-E9DED0E67BAD}" type="datetimeFigureOut">
               <a:rPr lang="en-US" smtClean="0"/>
-              <a:t>3/14/13</a:t>
+              <a:pPr/>
+              <a:t>3/15/2013</a:t>
             </a:fld>
             <a:endParaRPr lang="en-US"/>
           </a:p>
@@ -352,6 +354,7 @@
           <a:p>
             <a:fld id="{41468DB9-44ED-B548-965D-8D36CF8BE270}" type="slidenum">
               <a:rPr lang="en-US" smtClean="0"/>
+              <a:pPr/>
               <a:t>‹#›</a:t>
             </a:fld>
             <a:endParaRPr lang="en-US"/>
@@ -361,7 +364,7 @@
     </p:spTree>
     <p:extLst>
       <p:ext uri="{BB962C8B-B14F-4D97-AF65-F5344CB8AC3E}">
-        <p14:creationId xmlns:p14="http://schemas.microsoft.com/office/powerpoint/2010/main" val="2202296165"/>
+        <p14:creationId xmlns:p14="http://schemas.microsoft.com/office/powerpoint/2010/main" xmlns="" val="2202296165"/>
       </p:ext>
     </p:extLst>
   </p:cSld>
@@ -480,7 +483,8 @@
           <a:p>
             <a:fld id="{0F70C2D2-E619-5E46-BF05-E9DED0E67BAD}" type="datetimeFigureOut">
               <a:rPr lang="en-US" smtClean="0"/>
-              <a:t>3/14/13</a:t>
+              <a:pPr/>
+              <a:t>3/15/2013</a:t>
             </a:fld>
             <a:endParaRPr lang="en-US"/>
           </a:p>
@@ -522,6 +526,7 @@
           <a:p>
             <a:fld id="{41468DB9-44ED-B548-965D-8D36CF8BE270}" type="slidenum">
               <a:rPr lang="en-US" smtClean="0"/>
+              <a:pPr/>
               <a:t>‹#›</a:t>
             </a:fld>
             <a:endParaRPr lang="en-US"/>
@@ -531,7 +536,7 @@
     </p:spTree>
     <p:extLst>
       <p:ext uri="{BB962C8B-B14F-4D97-AF65-F5344CB8AC3E}">
-        <p14:creationId xmlns:p14="http://schemas.microsoft.com/office/powerpoint/2010/main" val="848641877"/>
+        <p14:creationId xmlns:p14="http://schemas.microsoft.com/office/powerpoint/2010/main" xmlns="" val="848641877"/>
       </p:ext>
     </p:extLst>
   </p:cSld>
@@ -660,7 +665,8 @@
           <a:p>
             <a:fld id="{0F70C2D2-E619-5E46-BF05-E9DED0E67BAD}" type="datetimeFigureOut">
               <a:rPr lang="en-US" smtClean="0"/>
-              <a:t>3/14/13</a:t>
+              <a:pPr/>
+              <a:t>3/15/2013</a:t>
             </a:fld>
             <a:endParaRPr lang="en-US"/>
           </a:p>
@@ -702,6 +708,7 @@
           <a:p>
             <a:fld id="{41468DB9-44ED-B548-965D-8D36CF8BE270}" type="slidenum">
               <a:rPr lang="en-US" smtClean="0"/>
+              <a:pPr/>
               <a:t>‹#›</a:t>
             </a:fld>
             <a:endParaRPr lang="en-US"/>
@@ -711,7 +718,7 @@
     </p:spTree>
     <p:extLst>
       <p:ext uri="{BB962C8B-B14F-4D97-AF65-F5344CB8AC3E}">
-        <p14:creationId xmlns:p14="http://schemas.microsoft.com/office/powerpoint/2010/main" val="1859888674"/>
+        <p14:creationId xmlns:p14="http://schemas.microsoft.com/office/powerpoint/2010/main" xmlns="" val="1859888674"/>
       </p:ext>
     </p:extLst>
   </p:cSld>
@@ -830,7 +837,8 @@
           <a:p>
             <a:fld id="{0F70C2D2-E619-5E46-BF05-E9DED0E67BAD}" type="datetimeFigureOut">
               <a:rPr lang="en-US" smtClean="0"/>
-              <a:t>3/14/13</a:t>
+              <a:pPr/>
+              <a:t>3/15/2013</a:t>
             </a:fld>
             <a:endParaRPr lang="en-US"/>
           </a:p>
@@ -872,6 +880,7 @@
           <a:p>
             <a:fld id="{41468DB9-44ED-B548-965D-8D36CF8BE270}" type="slidenum">
               <a:rPr lang="en-US" smtClean="0"/>
+              <a:pPr/>
               <a:t>‹#›</a:t>
             </a:fld>
             <a:endParaRPr lang="en-US"/>
@@ -881,7 +890,7 @@
     </p:spTree>
     <p:extLst>
       <p:ext uri="{BB962C8B-B14F-4D97-AF65-F5344CB8AC3E}">
-        <p14:creationId xmlns:p14="http://schemas.microsoft.com/office/powerpoint/2010/main" val="2318948136"/>
+        <p14:creationId xmlns:p14="http://schemas.microsoft.com/office/powerpoint/2010/main" xmlns="" val="2318948136"/>
       </p:ext>
     </p:extLst>
   </p:cSld>
@@ -1076,7 +1085,8 @@
           <a:p>
             <a:fld id="{0F70C2D2-E619-5E46-BF05-E9DED0E67BAD}" type="datetimeFigureOut">
               <a:rPr lang="en-US" smtClean="0"/>
-              <a:t>3/14/13</a:t>
+              <a:pPr/>
+              <a:t>3/15/2013</a:t>
             </a:fld>
             <a:endParaRPr lang="en-US"/>
           </a:p>
@@ -1118,6 +1128,7 @@
           <a:p>
             <a:fld id="{41468DB9-44ED-B548-965D-8D36CF8BE270}" type="slidenum">
               <a:rPr lang="en-US" smtClean="0"/>
+              <a:pPr/>
               <a:t>‹#›</a:t>
             </a:fld>
             <a:endParaRPr lang="en-US"/>
@@ -1127,7 +1138,7 @@
     </p:spTree>
     <p:extLst>
       <p:ext uri="{BB962C8B-B14F-4D97-AF65-F5344CB8AC3E}">
-        <p14:creationId xmlns:p14="http://schemas.microsoft.com/office/powerpoint/2010/main" val="1026537035"/>
+        <p14:creationId xmlns:p14="http://schemas.microsoft.com/office/powerpoint/2010/main" xmlns="" val="1026537035"/>
       </p:ext>
     </p:extLst>
   </p:cSld>
@@ -1364,7 +1375,8 @@
           <a:p>
             <a:fld id="{0F70C2D2-E619-5E46-BF05-E9DED0E67BAD}" type="datetimeFigureOut">
               <a:rPr lang="en-US" smtClean="0"/>
-              <a:t>3/14/13</a:t>
+              <a:pPr/>
+              <a:t>3/15/2013</a:t>
             </a:fld>
             <a:endParaRPr lang="en-US"/>
           </a:p>
@@ -1406,6 +1418,7 @@
           <a:p>
             <a:fld id="{41468DB9-44ED-B548-965D-8D36CF8BE270}" type="slidenum">
               <a:rPr lang="en-US" smtClean="0"/>
+              <a:pPr/>
               <a:t>‹#›</a:t>
             </a:fld>
             <a:endParaRPr lang="en-US"/>
@@ -1415,7 +1428,7 @@
     </p:spTree>
     <p:extLst>
       <p:ext uri="{BB962C8B-B14F-4D97-AF65-F5344CB8AC3E}">
-        <p14:creationId xmlns:p14="http://schemas.microsoft.com/office/powerpoint/2010/main" val="3155713714"/>
+        <p14:creationId xmlns:p14="http://schemas.microsoft.com/office/powerpoint/2010/main" xmlns="" val="3155713714"/>
       </p:ext>
     </p:extLst>
   </p:cSld>
@@ -1786,7 +1799,8 @@
           <a:p>
             <a:fld id="{0F70C2D2-E619-5E46-BF05-E9DED0E67BAD}" type="datetimeFigureOut">
               <a:rPr lang="en-US" smtClean="0"/>
-              <a:t>3/14/13</a:t>
+              <a:pPr/>
+              <a:t>3/15/2013</a:t>
             </a:fld>
             <a:endParaRPr lang="en-US"/>
           </a:p>
@@ -1828,6 +1842,7 @@
           <a:p>
             <a:fld id="{41468DB9-44ED-B548-965D-8D36CF8BE270}" type="slidenum">
               <a:rPr lang="en-US" smtClean="0"/>
+              <a:pPr/>
               <a:t>‹#›</a:t>
             </a:fld>
             <a:endParaRPr lang="en-US"/>
@@ -1837,7 +1852,7 @@
     </p:spTree>
     <p:extLst>
       <p:ext uri="{BB962C8B-B14F-4D97-AF65-F5344CB8AC3E}">
-        <p14:creationId xmlns:p14="http://schemas.microsoft.com/office/powerpoint/2010/main" val="1773844497"/>
+        <p14:creationId xmlns:p14="http://schemas.microsoft.com/office/powerpoint/2010/main" xmlns="" val="1773844497"/>
       </p:ext>
     </p:extLst>
   </p:cSld>
@@ -1904,7 +1919,8 @@
           <a:p>
             <a:fld id="{0F70C2D2-E619-5E46-BF05-E9DED0E67BAD}" type="datetimeFigureOut">
               <a:rPr lang="en-US" smtClean="0"/>
-              <a:t>3/14/13</a:t>
+              <a:pPr/>
+              <a:t>3/15/2013</a:t>
             </a:fld>
             <a:endParaRPr lang="en-US"/>
           </a:p>
@@ -1946,6 +1962,7 @@
           <a:p>
             <a:fld id="{41468DB9-44ED-B548-965D-8D36CF8BE270}" type="slidenum">
               <a:rPr lang="en-US" smtClean="0"/>
+              <a:pPr/>
               <a:t>‹#›</a:t>
             </a:fld>
             <a:endParaRPr lang="en-US"/>
@@ -1955,7 +1972,7 @@
     </p:spTree>
     <p:extLst>
       <p:ext uri="{BB962C8B-B14F-4D97-AF65-F5344CB8AC3E}">
-        <p14:creationId xmlns:p14="http://schemas.microsoft.com/office/powerpoint/2010/main" val="2576628691"/>
+        <p14:creationId xmlns:p14="http://schemas.microsoft.com/office/powerpoint/2010/main" xmlns="" val="2576628691"/>
       </p:ext>
     </p:extLst>
   </p:cSld>
@@ -1999,7 +2016,8 @@
           <a:p>
             <a:fld id="{0F70C2D2-E619-5E46-BF05-E9DED0E67BAD}" type="datetimeFigureOut">
               <a:rPr lang="en-US" smtClean="0"/>
-              <a:t>3/14/13</a:t>
+              <a:pPr/>
+              <a:t>3/15/2013</a:t>
             </a:fld>
             <a:endParaRPr lang="en-US"/>
           </a:p>
@@ -2041,6 +2059,7 @@
           <a:p>
             <a:fld id="{41468DB9-44ED-B548-965D-8D36CF8BE270}" type="slidenum">
               <a:rPr lang="en-US" smtClean="0"/>
+              <a:pPr/>
               <a:t>‹#›</a:t>
             </a:fld>
             <a:endParaRPr lang="en-US"/>
@@ -2050,7 +2069,7 @@
     </p:spTree>
     <p:extLst>
       <p:ext uri="{BB962C8B-B14F-4D97-AF65-F5344CB8AC3E}">
-        <p14:creationId xmlns:p14="http://schemas.microsoft.com/office/powerpoint/2010/main" val="1140558268"/>
+        <p14:creationId xmlns:p14="http://schemas.microsoft.com/office/powerpoint/2010/main" xmlns="" val="1140558268"/>
       </p:ext>
     </p:extLst>
   </p:cSld>
@@ -2276,7 +2295,8 @@
           <a:p>
             <a:fld id="{0F70C2D2-E619-5E46-BF05-E9DED0E67BAD}" type="datetimeFigureOut">
               <a:rPr lang="en-US" smtClean="0"/>
-              <a:t>3/14/13</a:t>
+              <a:pPr/>
+              <a:t>3/15/2013</a:t>
             </a:fld>
             <a:endParaRPr lang="en-US"/>
           </a:p>
@@ -2318,6 +2338,7 @@
           <a:p>
             <a:fld id="{41468DB9-44ED-B548-965D-8D36CF8BE270}" type="slidenum">
               <a:rPr lang="en-US" smtClean="0"/>
+              <a:pPr/>
               <a:t>‹#›</a:t>
             </a:fld>
             <a:endParaRPr lang="en-US"/>
@@ -2327,7 +2348,7 @@
     </p:spTree>
     <p:extLst>
       <p:ext uri="{BB962C8B-B14F-4D97-AF65-F5344CB8AC3E}">
-        <p14:creationId xmlns:p14="http://schemas.microsoft.com/office/powerpoint/2010/main" val="4076526287"/>
+        <p14:creationId xmlns:p14="http://schemas.microsoft.com/office/powerpoint/2010/main" xmlns="" val="4076526287"/>
       </p:ext>
     </p:extLst>
   </p:cSld>
@@ -2529,7 +2550,8 @@
           <a:p>
             <a:fld id="{0F70C2D2-E619-5E46-BF05-E9DED0E67BAD}" type="datetimeFigureOut">
               <a:rPr lang="en-US" smtClean="0"/>
-              <a:t>3/14/13</a:t>
+              <a:pPr/>
+              <a:t>3/15/2013</a:t>
             </a:fld>
             <a:endParaRPr lang="en-US"/>
           </a:p>
@@ -2571,6 +2593,7 @@
           <a:p>
             <a:fld id="{41468DB9-44ED-B548-965D-8D36CF8BE270}" type="slidenum">
               <a:rPr lang="en-US" smtClean="0"/>
+              <a:pPr/>
               <a:t>‹#›</a:t>
             </a:fld>
             <a:endParaRPr lang="en-US"/>
@@ -2580,7 +2603,7 @@
     </p:spTree>
     <p:extLst>
       <p:ext uri="{BB962C8B-B14F-4D97-AF65-F5344CB8AC3E}">
-        <p14:creationId xmlns:p14="http://schemas.microsoft.com/office/powerpoint/2010/main" val="553788323"/>
+        <p14:creationId xmlns:p14="http://schemas.microsoft.com/office/powerpoint/2010/main" xmlns="" val="553788323"/>
       </p:ext>
     </p:extLst>
   </p:cSld>
@@ -2742,7 +2765,8 @@
           <a:p>
             <a:fld id="{0F70C2D2-E619-5E46-BF05-E9DED0E67BAD}" type="datetimeFigureOut">
               <a:rPr lang="en-US" smtClean="0"/>
-              <a:t>3/14/13</a:t>
+              <a:pPr/>
+              <a:t>3/15/2013</a:t>
             </a:fld>
             <a:endParaRPr lang="en-US"/>
           </a:p>
@@ -2820,6 +2844,7 @@
           <a:p>
             <a:fld id="{41468DB9-44ED-B548-965D-8D36CF8BE270}" type="slidenum">
               <a:rPr lang="en-US" smtClean="0"/>
+              <a:pPr/>
               <a:t>‹#›</a:t>
             </a:fld>
             <a:endParaRPr lang="en-US"/>
@@ -2829,7 +2854,7 @@
     </p:spTree>
     <p:extLst>
       <p:ext uri="{BB962C8B-B14F-4D97-AF65-F5344CB8AC3E}">
-        <p14:creationId xmlns:p14="http://schemas.microsoft.com/office/powerpoint/2010/main" val="2918855926"/>
+        <p14:creationId xmlns:p14="http://schemas.microsoft.com/office/powerpoint/2010/main" xmlns="" val="2918855926"/>
       </p:ext>
     </p:extLst>
   </p:cSld>
@@ -3170,7 +3195,7 @@
     </p:spTree>
     <p:extLst>
       <p:ext uri="{BB962C8B-B14F-4D97-AF65-F5344CB8AC3E}">
-        <p14:creationId xmlns:p14="http://schemas.microsoft.com/office/powerpoint/2010/main" val="1817225024"/>
+        <p14:creationId xmlns:p14="http://schemas.microsoft.com/office/powerpoint/2010/main" xmlns="" val="1817225024"/>
       </p:ext>
     </p:extLst>
   </p:cSld>
@@ -3276,7 +3301,7 @@
     </p:spTree>
     <p:extLst>
       <p:ext uri="{BB962C8B-B14F-4D97-AF65-F5344CB8AC3E}">
-        <p14:creationId xmlns:p14="http://schemas.microsoft.com/office/powerpoint/2010/main" val="1290160103"/>
+        <p14:creationId xmlns:p14="http://schemas.microsoft.com/office/powerpoint/2010/main" xmlns="" val="1290160103"/>
       </p:ext>
     </p:extLst>
   </p:cSld>
@@ -3378,7 +3403,7 @@
     </p:spTree>
     <p:extLst>
       <p:ext uri="{BB962C8B-B14F-4D97-AF65-F5344CB8AC3E}">
-        <p14:creationId xmlns:p14="http://schemas.microsoft.com/office/powerpoint/2010/main" val="2463124279"/>
+        <p14:creationId xmlns:p14="http://schemas.microsoft.com/office/powerpoint/2010/main" xmlns="" val="2463124279"/>
       </p:ext>
     </p:extLst>
   </p:cSld>
@@ -3440,7 +3465,7 @@
           <a:blip r:embed="rId2">
             <a:extLst>
               <a:ext uri="{28A0092B-C50C-407E-A947-70E740481C1C}">
-                <a14:useLocalDpi xmlns:a14="http://schemas.microsoft.com/office/drawing/2010/main" val="0"/>
+                <a14:useLocalDpi xmlns:a14="http://schemas.microsoft.com/office/drawing/2010/main" xmlns="" val="0"/>
               </a:ext>
             </a:extLst>
           </a:blip>
@@ -3466,7 +3491,7 @@
     </p:spTree>
     <p:extLst>
       <p:ext uri="{BB962C8B-B14F-4D97-AF65-F5344CB8AC3E}">
-        <p14:creationId xmlns:p14="http://schemas.microsoft.com/office/powerpoint/2010/main" val="4203566617"/>
+        <p14:creationId xmlns:p14="http://schemas.microsoft.com/office/powerpoint/2010/main" xmlns="" val="4203566617"/>
       </p:ext>
     </p:extLst>
   </p:cSld>
@@ -3528,7 +3553,7 @@
           <a:blip r:embed="rId2">
             <a:extLst>
               <a:ext uri="{28A0092B-C50C-407E-A947-70E740481C1C}">
-                <a14:useLocalDpi xmlns:a14="http://schemas.microsoft.com/office/drawing/2010/main" val="0"/>
+                <a14:useLocalDpi xmlns:a14="http://schemas.microsoft.com/office/drawing/2010/main" xmlns="" val="0"/>
               </a:ext>
             </a:extLst>
           </a:blip>
@@ -3549,7 +3574,7 @@
     </p:spTree>
     <p:extLst>
       <p:ext uri="{BB962C8B-B14F-4D97-AF65-F5344CB8AC3E}">
-        <p14:creationId xmlns:p14="http://schemas.microsoft.com/office/powerpoint/2010/main" val="3769809405"/>
+        <p14:creationId xmlns:p14="http://schemas.microsoft.com/office/powerpoint/2010/main" xmlns="" val="3769809405"/>
       </p:ext>
     </p:extLst>
   </p:cSld>
@@ -3633,7 +3658,7 @@
     </p:spTree>
     <p:extLst>
       <p:ext uri="{BB962C8B-B14F-4D97-AF65-F5344CB8AC3E}">
-        <p14:creationId xmlns:p14="http://schemas.microsoft.com/office/powerpoint/2010/main" val="3217619526"/>
+        <p14:creationId xmlns:p14="http://schemas.microsoft.com/office/powerpoint/2010/main" xmlns="" val="3217619526"/>
       </p:ext>
     </p:extLst>
   </p:cSld>
@@ -3724,7 +3749,7 @@
     </p:spTree>
     <p:extLst>
       <p:ext uri="{BB962C8B-B14F-4D97-AF65-F5344CB8AC3E}">
-        <p14:creationId xmlns:p14="http://schemas.microsoft.com/office/powerpoint/2010/main" val="1956174889"/>
+        <p14:creationId xmlns:p14="http://schemas.microsoft.com/office/powerpoint/2010/main" xmlns="" val="1956174889"/>
       </p:ext>
     </p:extLst>
   </p:cSld>
@@ -3809,7 +3834,7 @@
     </p:spTree>
     <p:extLst>
       <p:ext uri="{BB962C8B-B14F-4D97-AF65-F5344CB8AC3E}">
-        <p14:creationId xmlns:p14="http://schemas.microsoft.com/office/powerpoint/2010/main" val="242311445"/>
+        <p14:creationId xmlns:p14="http://schemas.microsoft.com/office/powerpoint/2010/main" xmlns="" val="242311445"/>
       </p:ext>
     </p:extLst>
   </p:cSld>
@@ -3971,7 +3996,7 @@
     </p:spTree>
     <p:extLst>
       <p:ext uri="{BB962C8B-B14F-4D97-AF65-F5344CB8AC3E}">
-        <p14:creationId xmlns:p14="http://schemas.microsoft.com/office/powerpoint/2010/main" val="1502819855"/>
+        <p14:creationId xmlns:p14="http://schemas.microsoft.com/office/powerpoint/2010/main" xmlns="" val="1502819855"/>
       </p:ext>
     </p:extLst>
   </p:cSld>
@@ -4051,7 +4076,7 @@
     </p:spTree>
     <p:extLst>
       <p:ext uri="{BB962C8B-B14F-4D97-AF65-F5344CB8AC3E}">
-        <p14:creationId xmlns:p14="http://schemas.microsoft.com/office/powerpoint/2010/main" val="3824795908"/>
+        <p14:creationId xmlns:p14="http://schemas.microsoft.com/office/powerpoint/2010/main" xmlns="" val="3824795908"/>
       </p:ext>
     </p:extLst>
   </p:cSld>
@@ -4146,7 +4171,7 @@
     </p:spTree>
     <p:extLst>
       <p:ext uri="{BB962C8B-B14F-4D97-AF65-F5344CB8AC3E}">
-        <p14:creationId xmlns:p14="http://schemas.microsoft.com/office/powerpoint/2010/main" val="1699156036"/>
+        <p14:creationId xmlns:p14="http://schemas.microsoft.com/office/powerpoint/2010/main" xmlns="" val="1699156036"/>
       </p:ext>
     </p:extLst>
   </p:cSld>
@@ -4236,7 +4261,7 @@
     </p:spTree>
     <p:extLst>
       <p:ext uri="{BB962C8B-B14F-4D97-AF65-F5344CB8AC3E}">
-        <p14:creationId xmlns:p14="http://schemas.microsoft.com/office/powerpoint/2010/main" val="3866878405"/>
+        <p14:creationId xmlns:p14="http://schemas.microsoft.com/office/powerpoint/2010/main" xmlns="" val="3866878405"/>
       </p:ext>
     </p:extLst>
   </p:cSld>
@@ -4265,7 +4290,7 @@
       </p:grpSpPr>
       <p:sp>
         <p:nvSpPr>
-          <p:cNvPr id="4" name="Title 3"/>
+          <p:cNvPr id="2" name="Title 1"/>
           <p:cNvSpPr>
             <a:spLocks noGrp="1"/>
           </p:cNvSpPr>
@@ -4280,7 +4305,7 @@
           <a:p>
             <a:r>
               <a:rPr lang="en-US" dirty="0" smtClean="0"/>
-              <a:t>Other cool things to explore</a:t>
+              <a:t>Getting some stuff</a:t>
             </a:r>
             <a:endParaRPr lang="en-US" dirty="0"/>
           </a:p>
@@ -4288,29 +4313,37 @@
       </p:sp>
       <p:sp>
         <p:nvSpPr>
-          <p:cNvPr id="5" name="Text Placeholder 4"/>
-          <p:cNvSpPr>
-            <a:spLocks noGrp="1"/>
-          </p:cNvSpPr>
-          <p:nvPr>
-            <p:ph type="body" idx="1"/>
-          </p:nvPr>
-        </p:nvSpPr>
-        <p:spPr/>
-        <p:txBody>
-          <a:bodyPr/>
-          <a:lstStyle/>
-          <a:p>
+          <p:cNvPr id="3" name="Content Placeholder 2"/>
+          <p:cNvSpPr>
+            <a:spLocks noGrp="1"/>
+          </p:cNvSpPr>
+          <p:nvPr>
+            <p:ph idx="1"/>
+          </p:nvPr>
+        </p:nvSpPr>
+        <p:spPr/>
+        <p:txBody>
+          <a:bodyPr/>
+          <a:lstStyle/>
+          <a:p>
+            <a:r>
+              <a:rPr lang="en-US" dirty="0" smtClean="0"/>
+              <a:t>Use get to retrieve</a:t>
+            </a:r>
+          </a:p>
+          <a:p>
+            <a:endParaRPr lang="en-US" dirty="0" smtClean="0"/>
+          </a:p>
+          <a:p>
+            <a:r>
+              <a:rPr lang="en-US" smtClean="0"/>
+              <a:t>Demo5</a:t>
+            </a:r>
             <a:endParaRPr lang="en-US"/>
           </a:p>
         </p:txBody>
       </p:sp>
     </p:spTree>
-    <p:extLst>
-      <p:ext uri="{BB962C8B-B14F-4D97-AF65-F5344CB8AC3E}">
-        <p14:creationId xmlns:p14="http://schemas.microsoft.com/office/powerpoint/2010/main" val="3332033019"/>
-      </p:ext>
-    </p:extLst>
   </p:cSld>
   <p:clrMapOvr>
     <a:masterClrMapping/>
@@ -4337,6 +4370,78 @@
       </p:grpSpPr>
       <p:sp>
         <p:nvSpPr>
+          <p:cNvPr id="4" name="Title 3"/>
+          <p:cNvSpPr>
+            <a:spLocks noGrp="1"/>
+          </p:cNvSpPr>
+          <p:nvPr>
+            <p:ph type="title"/>
+          </p:nvPr>
+        </p:nvSpPr>
+        <p:spPr/>
+        <p:txBody>
+          <a:bodyPr/>
+          <a:lstStyle/>
+          <a:p>
+            <a:r>
+              <a:rPr lang="en-US" dirty="0" smtClean="0"/>
+              <a:t>Other cool things to explore</a:t>
+            </a:r>
+            <a:endParaRPr lang="en-US" dirty="0"/>
+          </a:p>
+        </p:txBody>
+      </p:sp>
+      <p:sp>
+        <p:nvSpPr>
+          <p:cNvPr id="5" name="Text Placeholder 4"/>
+          <p:cNvSpPr>
+            <a:spLocks noGrp="1"/>
+          </p:cNvSpPr>
+          <p:nvPr>
+            <p:ph type="body" idx="1"/>
+          </p:nvPr>
+        </p:nvSpPr>
+        <p:spPr/>
+        <p:txBody>
+          <a:bodyPr/>
+          <a:lstStyle/>
+          <a:p>
+            <a:endParaRPr lang="en-US"/>
+          </a:p>
+        </p:txBody>
+      </p:sp>
+    </p:spTree>
+    <p:extLst>
+      <p:ext uri="{BB962C8B-B14F-4D97-AF65-F5344CB8AC3E}">
+        <p14:creationId xmlns:p14="http://schemas.microsoft.com/office/powerpoint/2010/main" xmlns="" val="3332033019"/>
+      </p:ext>
+    </p:extLst>
+  </p:cSld>
+  <p:clrMapOvr>
+    <a:masterClrMapping/>
+  </p:clrMapOvr>
+</p:sld>
+</file>
+
+<file path=ppt/slides/slide22.xml><?xml version="1.0" encoding="utf-8"?>
+<p:sld xmlns:a="http://schemas.openxmlformats.org/drawingml/2006/main" xmlns:r="http://schemas.openxmlformats.org/officeDocument/2006/relationships" xmlns:p="http://schemas.openxmlformats.org/presentationml/2006/main">
+  <p:cSld>
+    <p:spTree>
+      <p:nvGrpSpPr>
+        <p:cNvPr id="1" name=""/>
+        <p:cNvGrpSpPr/>
+        <p:nvPr/>
+      </p:nvGrpSpPr>
+      <p:grpSpPr>
+        <a:xfrm>
+          <a:off x="0" y="0"/>
+          <a:ext cx="0" cy="0"/>
+          <a:chOff x="0" y="0"/>
+          <a:chExt cx="0" cy="0"/>
+        </a:xfrm>
+      </p:grpSpPr>
+      <p:sp>
+        <p:nvSpPr>
           <p:cNvPr id="2" name="Title 1"/>
           <p:cNvSpPr>
             <a:spLocks noGrp="1"/>
@@ -4370,7 +4475,7 @@
           <a:blip r:embed="rId2">
             <a:extLst>
               <a:ext uri="{28A0092B-C50C-407E-A947-70E740481C1C}">
-                <a14:useLocalDpi xmlns:a14="http://schemas.microsoft.com/office/drawing/2010/main" val="0"/>
+                <a14:useLocalDpi xmlns:a14="http://schemas.microsoft.com/office/drawing/2010/main" xmlns="" val="0"/>
               </a:ext>
             </a:extLst>
           </a:blip>
@@ -4391,7 +4496,7 @@
     </p:spTree>
     <p:extLst>
       <p:ext uri="{BB962C8B-B14F-4D97-AF65-F5344CB8AC3E}">
-        <p14:creationId xmlns:p14="http://schemas.microsoft.com/office/powerpoint/2010/main" val="2282842399"/>
+        <p14:creationId xmlns:p14="http://schemas.microsoft.com/office/powerpoint/2010/main" xmlns="" val="2282842399"/>
       </p:ext>
     </p:extLst>
   </p:cSld>
@@ -4401,7 +4506,7 @@
 </p:sld>
 </file>
 
-<file path=ppt/slides/slide22.xml><?xml version="1.0" encoding="utf-8"?>
+<file path=ppt/slides/slide23.xml><?xml version="1.0" encoding="utf-8"?>
 <p:sld xmlns:a="http://schemas.openxmlformats.org/drawingml/2006/main" xmlns:r="http://schemas.openxmlformats.org/officeDocument/2006/relationships" xmlns:p="http://schemas.openxmlformats.org/presentationml/2006/main">
   <p:cSld>
     <p:spTree>
@@ -4468,7 +4573,7 @@
     </p:spTree>
     <p:extLst>
       <p:ext uri="{BB962C8B-B14F-4D97-AF65-F5344CB8AC3E}">
-        <p14:creationId xmlns:p14="http://schemas.microsoft.com/office/powerpoint/2010/main" val="396408292"/>
+        <p14:creationId xmlns:p14="http://schemas.microsoft.com/office/powerpoint/2010/main" xmlns="" val="396408292"/>
       </p:ext>
     </p:extLst>
   </p:cSld>
@@ -4478,7 +4583,7 @@
 </p:sld>
 </file>
 
-<file path=ppt/slides/slide23.xml><?xml version="1.0" encoding="utf-8"?>
+<file path=ppt/slides/slide24.xml><?xml version="1.0" encoding="utf-8"?>
 <p:sld xmlns:a="http://schemas.openxmlformats.org/drawingml/2006/main" xmlns:r="http://schemas.openxmlformats.org/officeDocument/2006/relationships" xmlns:p="http://schemas.openxmlformats.org/presentationml/2006/main">
   <p:cSld>
     <p:spTree>
@@ -4581,7 +4686,7 @@
     </p:spTree>
     <p:extLst>
       <p:ext uri="{BB962C8B-B14F-4D97-AF65-F5344CB8AC3E}">
-        <p14:creationId xmlns:p14="http://schemas.microsoft.com/office/powerpoint/2010/main" val="2770249291"/>
+        <p14:creationId xmlns:p14="http://schemas.microsoft.com/office/powerpoint/2010/main" xmlns="" val="2770249291"/>
       </p:ext>
     </p:extLst>
   </p:cSld>
@@ -4620,7 +4725,7 @@
           <a:blip r:embed="rId2">
             <a:extLst>
               <a:ext uri="{28A0092B-C50C-407E-A947-70E740481C1C}">
-                <a14:useLocalDpi xmlns:a14="http://schemas.microsoft.com/office/drawing/2010/main" val="0"/>
+                <a14:useLocalDpi xmlns:a14="http://schemas.microsoft.com/office/drawing/2010/main" xmlns="" val="0"/>
               </a:ext>
             </a:extLst>
           </a:blip>
@@ -4641,7 +4746,7 @@
     </p:spTree>
     <p:extLst>
       <p:ext uri="{BB962C8B-B14F-4D97-AF65-F5344CB8AC3E}">
-        <p14:creationId xmlns:p14="http://schemas.microsoft.com/office/powerpoint/2010/main" val="3458288827"/>
+        <p14:creationId xmlns:p14="http://schemas.microsoft.com/office/powerpoint/2010/main" xmlns="" val="3458288827"/>
       </p:ext>
     </p:extLst>
   </p:cSld>
@@ -4749,7 +4854,7 @@
     </p:spTree>
     <p:extLst>
       <p:ext uri="{BB962C8B-B14F-4D97-AF65-F5344CB8AC3E}">
-        <p14:creationId xmlns:p14="http://schemas.microsoft.com/office/powerpoint/2010/main" val="805148713"/>
+        <p14:creationId xmlns:p14="http://schemas.microsoft.com/office/powerpoint/2010/main" xmlns="" val="805148713"/>
       </p:ext>
     </p:extLst>
   </p:cSld>
@@ -4868,7 +4973,7 @@
     </p:spTree>
     <p:extLst>
       <p:ext uri="{BB962C8B-B14F-4D97-AF65-F5344CB8AC3E}">
-        <p14:creationId xmlns:p14="http://schemas.microsoft.com/office/powerpoint/2010/main" val="835466215"/>
+        <p14:creationId xmlns:p14="http://schemas.microsoft.com/office/powerpoint/2010/main" xmlns="" val="835466215"/>
       </p:ext>
     </p:extLst>
   </p:cSld>
@@ -4953,7 +5058,7 @@
     </p:spTree>
     <p:extLst>
       <p:ext uri="{BB962C8B-B14F-4D97-AF65-F5344CB8AC3E}">
-        <p14:creationId xmlns:p14="http://schemas.microsoft.com/office/powerpoint/2010/main" val="3721296226"/>
+        <p14:creationId xmlns:p14="http://schemas.microsoft.com/office/powerpoint/2010/main" xmlns="" val="3721296226"/>
       </p:ext>
     </p:extLst>
   </p:cSld>
@@ -5065,7 +5170,7 @@
     </p:spTree>
     <p:extLst>
       <p:ext uri="{BB962C8B-B14F-4D97-AF65-F5344CB8AC3E}">
-        <p14:creationId xmlns:p14="http://schemas.microsoft.com/office/powerpoint/2010/main" val="1229930455"/>
+        <p14:creationId xmlns:p14="http://schemas.microsoft.com/office/powerpoint/2010/main" xmlns="" val="1229930455"/>
       </p:ext>
     </p:extLst>
   </p:cSld>
@@ -5141,7 +5246,7 @@
     </p:spTree>
     <p:extLst>
       <p:ext uri="{BB962C8B-B14F-4D97-AF65-F5344CB8AC3E}">
-        <p14:creationId xmlns:p14="http://schemas.microsoft.com/office/powerpoint/2010/main" val="464567482"/>
+        <p14:creationId xmlns:p14="http://schemas.microsoft.com/office/powerpoint/2010/main" xmlns="" val="464567482"/>
       </p:ext>
     </p:extLst>
   </p:cSld>
@@ -5231,7 +5336,7 @@
     </p:spTree>
     <p:extLst>
       <p:ext uri="{BB962C8B-B14F-4D97-AF65-F5344CB8AC3E}">
-        <p14:creationId xmlns:p14="http://schemas.microsoft.com/office/powerpoint/2010/main" val="3591816338"/>
+        <p14:creationId xmlns:p14="http://schemas.microsoft.com/office/powerpoint/2010/main" xmlns="" val="3591816338"/>
       </p:ext>
     </p:extLst>
   </p:cSld>

--- a/IndexedDB_And_Random.pptx
+++ b/IndexedDB_And_Random.pptx
@@ -25,10 +25,15 @@
     <p:sldId id="277" r:id="rId19"/>
     <p:sldId id="278" r:id="rId20"/>
     <p:sldId id="279" r:id="rId21"/>
-    <p:sldId id="273" r:id="rId22"/>
-    <p:sldId id="274" r:id="rId23"/>
-    <p:sldId id="275" r:id="rId24"/>
-    <p:sldId id="276" r:id="rId25"/>
+    <p:sldId id="280" r:id="rId22"/>
+    <p:sldId id="281" r:id="rId23"/>
+    <p:sldId id="282" r:id="rId24"/>
+    <p:sldId id="283" r:id="rId25"/>
+    <p:sldId id="284" r:id="rId26"/>
+    <p:sldId id="273" r:id="rId27"/>
+    <p:sldId id="274" r:id="rId28"/>
+    <p:sldId id="275" r:id="rId29"/>
+    <p:sldId id="276" r:id="rId30"/>
   </p:sldIdLst>
   <p:sldSz cx="9144000" cy="6858000" type="screen4x3"/>
   <p:notesSz cx="6858000" cy="9144000"/>
@@ -312,7 +317,7 @@
             <a:fld id="{0F70C2D2-E619-5E46-BF05-E9DED0E67BAD}" type="datetimeFigureOut">
               <a:rPr lang="en-US" smtClean="0"/>
               <a:pPr/>
-              <a:t>3/15/2013</a:t>
+              <a:t>3/16/2013</a:t>
             </a:fld>
             <a:endParaRPr lang="en-US"/>
           </a:p>
@@ -364,7 +369,7 @@
     </p:spTree>
     <p:extLst>
       <p:ext uri="{BB962C8B-B14F-4D97-AF65-F5344CB8AC3E}">
-        <p14:creationId xmlns:p14="http://schemas.microsoft.com/office/powerpoint/2010/main" xmlns="" val="2202296165"/>
+        <p14:creationId xmlns="" xmlns:p14="http://schemas.microsoft.com/office/powerpoint/2010/main" val="2202296165"/>
       </p:ext>
     </p:extLst>
   </p:cSld>
@@ -484,7 +489,7 @@
             <a:fld id="{0F70C2D2-E619-5E46-BF05-E9DED0E67BAD}" type="datetimeFigureOut">
               <a:rPr lang="en-US" smtClean="0"/>
               <a:pPr/>
-              <a:t>3/15/2013</a:t>
+              <a:t>3/16/2013</a:t>
             </a:fld>
             <a:endParaRPr lang="en-US"/>
           </a:p>
@@ -536,7 +541,7 @@
     </p:spTree>
     <p:extLst>
       <p:ext uri="{BB962C8B-B14F-4D97-AF65-F5344CB8AC3E}">
-        <p14:creationId xmlns:p14="http://schemas.microsoft.com/office/powerpoint/2010/main" xmlns="" val="848641877"/>
+        <p14:creationId xmlns="" xmlns:p14="http://schemas.microsoft.com/office/powerpoint/2010/main" val="848641877"/>
       </p:ext>
     </p:extLst>
   </p:cSld>
@@ -666,7 +671,7 @@
             <a:fld id="{0F70C2D2-E619-5E46-BF05-E9DED0E67BAD}" type="datetimeFigureOut">
               <a:rPr lang="en-US" smtClean="0"/>
               <a:pPr/>
-              <a:t>3/15/2013</a:t>
+              <a:t>3/16/2013</a:t>
             </a:fld>
             <a:endParaRPr lang="en-US"/>
           </a:p>
@@ -718,7 +723,7 @@
     </p:spTree>
     <p:extLst>
       <p:ext uri="{BB962C8B-B14F-4D97-AF65-F5344CB8AC3E}">
-        <p14:creationId xmlns:p14="http://schemas.microsoft.com/office/powerpoint/2010/main" xmlns="" val="1859888674"/>
+        <p14:creationId xmlns="" xmlns:p14="http://schemas.microsoft.com/office/powerpoint/2010/main" val="1859888674"/>
       </p:ext>
     </p:extLst>
   </p:cSld>
@@ -838,7 +843,7 @@
             <a:fld id="{0F70C2D2-E619-5E46-BF05-E9DED0E67BAD}" type="datetimeFigureOut">
               <a:rPr lang="en-US" smtClean="0"/>
               <a:pPr/>
-              <a:t>3/15/2013</a:t>
+              <a:t>3/16/2013</a:t>
             </a:fld>
             <a:endParaRPr lang="en-US"/>
           </a:p>
@@ -890,7 +895,7 @@
     </p:spTree>
     <p:extLst>
       <p:ext uri="{BB962C8B-B14F-4D97-AF65-F5344CB8AC3E}">
-        <p14:creationId xmlns:p14="http://schemas.microsoft.com/office/powerpoint/2010/main" xmlns="" val="2318948136"/>
+        <p14:creationId xmlns="" xmlns:p14="http://schemas.microsoft.com/office/powerpoint/2010/main" val="2318948136"/>
       </p:ext>
     </p:extLst>
   </p:cSld>
@@ -1086,7 +1091,7 @@
             <a:fld id="{0F70C2D2-E619-5E46-BF05-E9DED0E67BAD}" type="datetimeFigureOut">
               <a:rPr lang="en-US" smtClean="0"/>
               <a:pPr/>
-              <a:t>3/15/2013</a:t>
+              <a:t>3/16/2013</a:t>
             </a:fld>
             <a:endParaRPr lang="en-US"/>
           </a:p>
@@ -1138,7 +1143,7 @@
     </p:spTree>
     <p:extLst>
       <p:ext uri="{BB962C8B-B14F-4D97-AF65-F5344CB8AC3E}">
-        <p14:creationId xmlns:p14="http://schemas.microsoft.com/office/powerpoint/2010/main" xmlns="" val="1026537035"/>
+        <p14:creationId xmlns="" xmlns:p14="http://schemas.microsoft.com/office/powerpoint/2010/main" val="1026537035"/>
       </p:ext>
     </p:extLst>
   </p:cSld>
@@ -1376,7 +1381,7 @@
             <a:fld id="{0F70C2D2-E619-5E46-BF05-E9DED0E67BAD}" type="datetimeFigureOut">
               <a:rPr lang="en-US" smtClean="0"/>
               <a:pPr/>
-              <a:t>3/15/2013</a:t>
+              <a:t>3/16/2013</a:t>
             </a:fld>
             <a:endParaRPr lang="en-US"/>
           </a:p>
@@ -1428,7 +1433,7 @@
     </p:spTree>
     <p:extLst>
       <p:ext uri="{BB962C8B-B14F-4D97-AF65-F5344CB8AC3E}">
-        <p14:creationId xmlns:p14="http://schemas.microsoft.com/office/powerpoint/2010/main" xmlns="" val="3155713714"/>
+        <p14:creationId xmlns="" xmlns:p14="http://schemas.microsoft.com/office/powerpoint/2010/main" val="3155713714"/>
       </p:ext>
     </p:extLst>
   </p:cSld>
@@ -1800,7 +1805,7 @@
             <a:fld id="{0F70C2D2-E619-5E46-BF05-E9DED0E67BAD}" type="datetimeFigureOut">
               <a:rPr lang="en-US" smtClean="0"/>
               <a:pPr/>
-              <a:t>3/15/2013</a:t>
+              <a:t>3/16/2013</a:t>
             </a:fld>
             <a:endParaRPr lang="en-US"/>
           </a:p>
@@ -1852,7 +1857,7 @@
     </p:spTree>
     <p:extLst>
       <p:ext uri="{BB962C8B-B14F-4D97-AF65-F5344CB8AC3E}">
-        <p14:creationId xmlns:p14="http://schemas.microsoft.com/office/powerpoint/2010/main" xmlns="" val="1773844497"/>
+        <p14:creationId xmlns="" xmlns:p14="http://schemas.microsoft.com/office/powerpoint/2010/main" val="1773844497"/>
       </p:ext>
     </p:extLst>
   </p:cSld>
@@ -1920,7 +1925,7 @@
             <a:fld id="{0F70C2D2-E619-5E46-BF05-E9DED0E67BAD}" type="datetimeFigureOut">
               <a:rPr lang="en-US" smtClean="0"/>
               <a:pPr/>
-              <a:t>3/15/2013</a:t>
+              <a:t>3/16/2013</a:t>
             </a:fld>
             <a:endParaRPr lang="en-US"/>
           </a:p>
@@ -1972,7 +1977,7 @@
     </p:spTree>
     <p:extLst>
       <p:ext uri="{BB962C8B-B14F-4D97-AF65-F5344CB8AC3E}">
-        <p14:creationId xmlns:p14="http://schemas.microsoft.com/office/powerpoint/2010/main" xmlns="" val="2576628691"/>
+        <p14:creationId xmlns="" xmlns:p14="http://schemas.microsoft.com/office/powerpoint/2010/main" val="2576628691"/>
       </p:ext>
     </p:extLst>
   </p:cSld>
@@ -2017,7 +2022,7 @@
             <a:fld id="{0F70C2D2-E619-5E46-BF05-E9DED0E67BAD}" type="datetimeFigureOut">
               <a:rPr lang="en-US" smtClean="0"/>
               <a:pPr/>
-              <a:t>3/15/2013</a:t>
+              <a:t>3/16/2013</a:t>
             </a:fld>
             <a:endParaRPr lang="en-US"/>
           </a:p>
@@ -2069,7 +2074,7 @@
     </p:spTree>
     <p:extLst>
       <p:ext uri="{BB962C8B-B14F-4D97-AF65-F5344CB8AC3E}">
-        <p14:creationId xmlns:p14="http://schemas.microsoft.com/office/powerpoint/2010/main" xmlns="" val="1140558268"/>
+        <p14:creationId xmlns="" xmlns:p14="http://schemas.microsoft.com/office/powerpoint/2010/main" val="1140558268"/>
       </p:ext>
     </p:extLst>
   </p:cSld>
@@ -2296,7 +2301,7 @@
             <a:fld id="{0F70C2D2-E619-5E46-BF05-E9DED0E67BAD}" type="datetimeFigureOut">
               <a:rPr lang="en-US" smtClean="0"/>
               <a:pPr/>
-              <a:t>3/15/2013</a:t>
+              <a:t>3/16/2013</a:t>
             </a:fld>
             <a:endParaRPr lang="en-US"/>
           </a:p>
@@ -2348,7 +2353,7 @@
     </p:spTree>
     <p:extLst>
       <p:ext uri="{BB962C8B-B14F-4D97-AF65-F5344CB8AC3E}">
-        <p14:creationId xmlns:p14="http://schemas.microsoft.com/office/powerpoint/2010/main" xmlns="" val="4076526287"/>
+        <p14:creationId xmlns="" xmlns:p14="http://schemas.microsoft.com/office/powerpoint/2010/main" val="4076526287"/>
       </p:ext>
     </p:extLst>
   </p:cSld>
@@ -2551,7 +2556,7 @@
             <a:fld id="{0F70C2D2-E619-5E46-BF05-E9DED0E67BAD}" type="datetimeFigureOut">
               <a:rPr lang="en-US" smtClean="0"/>
               <a:pPr/>
-              <a:t>3/15/2013</a:t>
+              <a:t>3/16/2013</a:t>
             </a:fld>
             <a:endParaRPr lang="en-US"/>
           </a:p>
@@ -2603,7 +2608,7 @@
     </p:spTree>
     <p:extLst>
       <p:ext uri="{BB962C8B-B14F-4D97-AF65-F5344CB8AC3E}">
-        <p14:creationId xmlns:p14="http://schemas.microsoft.com/office/powerpoint/2010/main" xmlns="" val="553788323"/>
+        <p14:creationId xmlns="" xmlns:p14="http://schemas.microsoft.com/office/powerpoint/2010/main" val="553788323"/>
       </p:ext>
     </p:extLst>
   </p:cSld>
@@ -2766,7 +2771,7 @@
             <a:fld id="{0F70C2D2-E619-5E46-BF05-E9DED0E67BAD}" type="datetimeFigureOut">
               <a:rPr lang="en-US" smtClean="0"/>
               <a:pPr/>
-              <a:t>3/15/2013</a:t>
+              <a:t>3/16/2013</a:t>
             </a:fld>
             <a:endParaRPr lang="en-US"/>
           </a:p>
@@ -2854,7 +2859,7 @@
     </p:spTree>
     <p:extLst>
       <p:ext uri="{BB962C8B-B14F-4D97-AF65-F5344CB8AC3E}">
-        <p14:creationId xmlns:p14="http://schemas.microsoft.com/office/powerpoint/2010/main" xmlns="" val="2918855926"/>
+        <p14:creationId xmlns="" xmlns:p14="http://schemas.microsoft.com/office/powerpoint/2010/main" val="2918855926"/>
       </p:ext>
     </p:extLst>
   </p:cSld>
@@ -3195,7 +3200,7 @@
     </p:spTree>
     <p:extLst>
       <p:ext uri="{BB962C8B-B14F-4D97-AF65-F5344CB8AC3E}">
-        <p14:creationId xmlns:p14="http://schemas.microsoft.com/office/powerpoint/2010/main" xmlns="" val="1817225024"/>
+        <p14:creationId xmlns="" xmlns:p14="http://schemas.microsoft.com/office/powerpoint/2010/main" val="1817225024"/>
       </p:ext>
     </p:extLst>
   </p:cSld>
@@ -3301,7 +3306,7 @@
     </p:spTree>
     <p:extLst>
       <p:ext uri="{BB962C8B-B14F-4D97-AF65-F5344CB8AC3E}">
-        <p14:creationId xmlns:p14="http://schemas.microsoft.com/office/powerpoint/2010/main" xmlns="" val="1290160103"/>
+        <p14:creationId xmlns="" xmlns:p14="http://schemas.microsoft.com/office/powerpoint/2010/main" val="1290160103"/>
       </p:ext>
     </p:extLst>
   </p:cSld>
@@ -3403,7 +3408,7 @@
     </p:spTree>
     <p:extLst>
       <p:ext uri="{BB962C8B-B14F-4D97-AF65-F5344CB8AC3E}">
-        <p14:creationId xmlns:p14="http://schemas.microsoft.com/office/powerpoint/2010/main" xmlns="" val="2463124279"/>
+        <p14:creationId xmlns="" xmlns:p14="http://schemas.microsoft.com/office/powerpoint/2010/main" val="2463124279"/>
       </p:ext>
     </p:extLst>
   </p:cSld>
@@ -3465,7 +3470,7 @@
           <a:blip r:embed="rId2">
             <a:extLst>
               <a:ext uri="{28A0092B-C50C-407E-A947-70E740481C1C}">
-                <a14:useLocalDpi xmlns:a14="http://schemas.microsoft.com/office/drawing/2010/main" xmlns="" val="0"/>
+                <a14:useLocalDpi xmlns="" xmlns:a14="http://schemas.microsoft.com/office/drawing/2010/main" val="0"/>
               </a:ext>
             </a:extLst>
           </a:blip>
@@ -3491,7 +3496,7 @@
     </p:spTree>
     <p:extLst>
       <p:ext uri="{BB962C8B-B14F-4D97-AF65-F5344CB8AC3E}">
-        <p14:creationId xmlns:p14="http://schemas.microsoft.com/office/powerpoint/2010/main" xmlns="" val="4203566617"/>
+        <p14:creationId xmlns="" xmlns:p14="http://schemas.microsoft.com/office/powerpoint/2010/main" val="4203566617"/>
       </p:ext>
     </p:extLst>
   </p:cSld>
@@ -3553,7 +3558,7 @@
           <a:blip r:embed="rId2">
             <a:extLst>
               <a:ext uri="{28A0092B-C50C-407E-A947-70E740481C1C}">
-                <a14:useLocalDpi xmlns:a14="http://schemas.microsoft.com/office/drawing/2010/main" xmlns="" val="0"/>
+                <a14:useLocalDpi xmlns="" xmlns:a14="http://schemas.microsoft.com/office/drawing/2010/main" val="0"/>
               </a:ext>
             </a:extLst>
           </a:blip>
@@ -3574,7 +3579,7 @@
     </p:spTree>
     <p:extLst>
       <p:ext uri="{BB962C8B-B14F-4D97-AF65-F5344CB8AC3E}">
-        <p14:creationId xmlns:p14="http://schemas.microsoft.com/office/powerpoint/2010/main" xmlns="" val="3769809405"/>
+        <p14:creationId xmlns="" xmlns:p14="http://schemas.microsoft.com/office/powerpoint/2010/main" val="3769809405"/>
       </p:ext>
     </p:extLst>
   </p:cSld>
@@ -3658,7 +3663,7 @@
     </p:spTree>
     <p:extLst>
       <p:ext uri="{BB962C8B-B14F-4D97-AF65-F5344CB8AC3E}">
-        <p14:creationId xmlns:p14="http://schemas.microsoft.com/office/powerpoint/2010/main" xmlns="" val="3217619526"/>
+        <p14:creationId xmlns="" xmlns:p14="http://schemas.microsoft.com/office/powerpoint/2010/main" val="3217619526"/>
       </p:ext>
     </p:extLst>
   </p:cSld>
@@ -3749,7 +3754,7 @@
     </p:spTree>
     <p:extLst>
       <p:ext uri="{BB962C8B-B14F-4D97-AF65-F5344CB8AC3E}">
-        <p14:creationId xmlns:p14="http://schemas.microsoft.com/office/powerpoint/2010/main" xmlns="" val="1956174889"/>
+        <p14:creationId xmlns="" xmlns:p14="http://schemas.microsoft.com/office/powerpoint/2010/main" val="1956174889"/>
       </p:ext>
     </p:extLst>
   </p:cSld>
@@ -3834,7 +3839,7 @@
     </p:spTree>
     <p:extLst>
       <p:ext uri="{BB962C8B-B14F-4D97-AF65-F5344CB8AC3E}">
-        <p14:creationId xmlns:p14="http://schemas.microsoft.com/office/powerpoint/2010/main" xmlns="" val="242311445"/>
+        <p14:creationId xmlns="" xmlns:p14="http://schemas.microsoft.com/office/powerpoint/2010/main" val="242311445"/>
       </p:ext>
     </p:extLst>
   </p:cSld>
@@ -3996,7 +4001,7 @@
     </p:spTree>
     <p:extLst>
       <p:ext uri="{BB962C8B-B14F-4D97-AF65-F5344CB8AC3E}">
-        <p14:creationId xmlns:p14="http://schemas.microsoft.com/office/powerpoint/2010/main" xmlns="" val="1502819855"/>
+        <p14:creationId xmlns="" xmlns:p14="http://schemas.microsoft.com/office/powerpoint/2010/main" val="1502819855"/>
       </p:ext>
     </p:extLst>
   </p:cSld>
@@ -4076,7 +4081,7 @@
     </p:spTree>
     <p:extLst>
       <p:ext uri="{BB962C8B-B14F-4D97-AF65-F5344CB8AC3E}">
-        <p14:creationId xmlns:p14="http://schemas.microsoft.com/office/powerpoint/2010/main" xmlns="" val="3824795908"/>
+        <p14:creationId xmlns="" xmlns:p14="http://schemas.microsoft.com/office/powerpoint/2010/main" val="3824795908"/>
       </p:ext>
     </p:extLst>
   </p:cSld>
@@ -4171,7 +4176,7 @@
     </p:spTree>
     <p:extLst>
       <p:ext uri="{BB962C8B-B14F-4D97-AF65-F5344CB8AC3E}">
-        <p14:creationId xmlns:p14="http://schemas.microsoft.com/office/powerpoint/2010/main" xmlns="" val="1699156036"/>
+        <p14:creationId xmlns="" xmlns:p14="http://schemas.microsoft.com/office/powerpoint/2010/main" val="1699156036"/>
       </p:ext>
     </p:extLst>
   </p:cSld>
@@ -4261,7 +4266,7 @@
     </p:spTree>
     <p:extLst>
       <p:ext uri="{BB962C8B-B14F-4D97-AF65-F5344CB8AC3E}">
-        <p14:creationId xmlns:p14="http://schemas.microsoft.com/office/powerpoint/2010/main" xmlns="" val="3866878405"/>
+        <p14:creationId xmlns="" xmlns:p14="http://schemas.microsoft.com/office/powerpoint/2010/main" val="3866878405"/>
       </p:ext>
     </p:extLst>
   </p:cSld>
@@ -4336,10 +4341,10 @@
           </a:p>
           <a:p>
             <a:r>
-              <a:rPr lang="en-US" smtClean="0"/>
-              <a:t>Demo5</a:t>
-            </a:r>
-            <a:endParaRPr lang="en-US"/>
+              <a:rPr lang="en-US" dirty="0" smtClean="0"/>
+              <a:t>More Demos…</a:t>
+            </a:r>
+            <a:endParaRPr lang="en-US" dirty="0"/>
           </a:p>
         </p:txBody>
       </p:sp>
@@ -4370,7 +4375,7 @@
       </p:grpSpPr>
       <p:sp>
         <p:nvSpPr>
-          <p:cNvPr id="4" name="Title 3"/>
+          <p:cNvPr id="2" name="Title 1"/>
           <p:cNvSpPr>
             <a:spLocks noGrp="1"/>
           </p:cNvSpPr>
@@ -4385,7 +4390,7 @@
           <a:p>
             <a:r>
               <a:rPr lang="en-US" dirty="0" smtClean="0"/>
-              <a:t>Other cool things to explore</a:t>
+              <a:t>Cleaning up a little</a:t>
             </a:r>
             <a:endParaRPr lang="en-US" dirty="0"/>
           </a:p>
@@ -4393,29 +4398,44 @@
       </p:sp>
       <p:sp>
         <p:nvSpPr>
-          <p:cNvPr id="5" name="Text Placeholder 4"/>
-          <p:cNvSpPr>
-            <a:spLocks noGrp="1"/>
-          </p:cNvSpPr>
-          <p:nvPr>
-            <p:ph type="body" idx="1"/>
-          </p:nvPr>
-        </p:nvSpPr>
-        <p:spPr/>
-        <p:txBody>
-          <a:bodyPr/>
-          <a:lstStyle/>
-          <a:p>
-            <a:endParaRPr lang="en-US"/>
+          <p:cNvPr id="3" name="Content Placeholder 2"/>
+          <p:cNvSpPr>
+            <a:spLocks noGrp="1"/>
+          </p:cNvSpPr>
+          <p:nvPr>
+            <p:ph idx="1"/>
+          </p:nvPr>
+        </p:nvSpPr>
+        <p:spPr/>
+        <p:txBody>
+          <a:bodyPr/>
+          <a:lstStyle/>
+          <a:p>
+            <a:r>
+              <a:rPr lang="en-US" dirty="0" err="1" smtClean="0"/>
+              <a:t>JQuery</a:t>
+            </a:r>
+            <a:r>
+              <a:rPr lang="en-US" dirty="0" smtClean="0"/>
+              <a:t> Deferred</a:t>
+            </a:r>
+          </a:p>
+          <a:p>
+            <a:pPr lvl="1"/>
+            <a:endParaRPr lang="en-US" dirty="0" smtClean="0"/>
+          </a:p>
+          <a:p>
+            <a:endParaRPr lang="en-US" dirty="0" smtClean="0"/>
+          </a:p>
+          <a:p>
+            <a:pPr>
+              <a:buNone/>
+            </a:pPr>
+            <a:endParaRPr lang="en-US" dirty="0"/>
           </a:p>
         </p:txBody>
       </p:sp>
     </p:spTree>
-    <p:extLst>
-      <p:ext uri="{BB962C8B-B14F-4D97-AF65-F5344CB8AC3E}">
-        <p14:creationId xmlns:p14="http://schemas.microsoft.com/office/powerpoint/2010/main" xmlns="" val="3332033019"/>
-      </p:ext>
-    </p:extLst>
   </p:cSld>
   <p:clrMapOvr>
     <a:masterClrMapping/>
@@ -4456,6 +4476,433 @@
           <a:lstStyle/>
           <a:p>
             <a:r>
+              <a:rPr lang="en-US" dirty="0" err="1" smtClean="0"/>
+              <a:t>Seque</a:t>
+            </a:r>
+            <a:r>
+              <a:rPr lang="en-US" dirty="0" smtClean="0"/>
+              <a:t> - rough</a:t>
+            </a:r>
+            <a:endParaRPr lang="en-US" dirty="0"/>
+          </a:p>
+        </p:txBody>
+      </p:sp>
+      <p:sp>
+        <p:nvSpPr>
+          <p:cNvPr id="3" name="Content Placeholder 2"/>
+          <p:cNvSpPr>
+            <a:spLocks noGrp="1"/>
+          </p:cNvSpPr>
+          <p:nvPr>
+            <p:ph idx="1"/>
+          </p:nvPr>
+        </p:nvSpPr>
+        <p:spPr/>
+        <p:txBody>
+          <a:bodyPr/>
+          <a:lstStyle/>
+          <a:p>
+            <a:r>
+              <a:rPr lang="en-US" dirty="0" smtClean="0"/>
+              <a:t>How about hosting node in Windows Azure?</a:t>
+            </a:r>
+          </a:p>
+          <a:p>
+            <a:endParaRPr lang="en-US" dirty="0" smtClean="0"/>
+          </a:p>
+          <a:p>
+            <a:r>
+              <a:rPr lang="en-US" dirty="0" smtClean="0"/>
+              <a:t>Azure does this better than anything else </a:t>
+            </a:r>
+            <a:r>
+              <a:rPr lang="en-US" dirty="0" smtClean="0">
+                <a:sym typeface="Wingdings" pitchFamily="2" charset="2"/>
+              </a:rPr>
+              <a:t></a:t>
+            </a:r>
+            <a:endParaRPr lang="en-US" dirty="0"/>
+          </a:p>
+        </p:txBody>
+      </p:sp>
+    </p:spTree>
+  </p:cSld>
+  <p:clrMapOvr>
+    <a:masterClrMapping/>
+  </p:clrMapOvr>
+</p:sld>
+</file>
+
+<file path=ppt/slides/slide23.xml><?xml version="1.0" encoding="utf-8"?>
+<p:sld xmlns:a="http://schemas.openxmlformats.org/drawingml/2006/main" xmlns:r="http://schemas.openxmlformats.org/officeDocument/2006/relationships" xmlns:p="http://schemas.openxmlformats.org/presentationml/2006/main">
+  <p:cSld>
+    <p:spTree>
+      <p:nvGrpSpPr>
+        <p:cNvPr id="1" name=""/>
+        <p:cNvGrpSpPr/>
+        <p:nvPr/>
+      </p:nvGrpSpPr>
+      <p:grpSpPr>
+        <a:xfrm>
+          <a:off x="0" y="0"/>
+          <a:ext cx="0" cy="0"/>
+          <a:chOff x="0" y="0"/>
+          <a:chExt cx="0" cy="0"/>
+        </a:xfrm>
+      </p:grpSpPr>
+      <p:sp>
+        <p:nvSpPr>
+          <p:cNvPr id="2" name="Title 1"/>
+          <p:cNvSpPr>
+            <a:spLocks noGrp="1"/>
+          </p:cNvSpPr>
+          <p:nvPr>
+            <p:ph type="title"/>
+          </p:nvPr>
+        </p:nvSpPr>
+        <p:spPr/>
+        <p:txBody>
+          <a:bodyPr/>
+          <a:lstStyle/>
+          <a:p>
+            <a:r>
+              <a:rPr lang="en-US" dirty="0" smtClean="0"/>
+              <a:t>Azure Web Sites</a:t>
+            </a:r>
+            <a:endParaRPr lang="en-US" dirty="0"/>
+          </a:p>
+        </p:txBody>
+      </p:sp>
+      <p:pic>
+        <p:nvPicPr>
+          <p:cNvPr id="1026" name="Picture 2"/>
+          <p:cNvPicPr>
+            <a:picLocks noChangeAspect="1" noChangeArrowheads="1"/>
+          </p:cNvPicPr>
+          <p:nvPr/>
+        </p:nvPicPr>
+        <p:blipFill>
+          <a:blip r:embed="rId2"/>
+          <a:srcRect/>
+          <a:stretch>
+            <a:fillRect/>
+          </a:stretch>
+        </p:blipFill>
+        <p:spPr bwMode="auto">
+          <a:xfrm>
+            <a:off x="596989" y="1566720"/>
+            <a:ext cx="8089811" cy="1990819"/>
+          </a:xfrm>
+          <a:prstGeom prst="rect">
+            <a:avLst/>
+          </a:prstGeom>
+          <a:noFill/>
+          <a:ln w="9525">
+            <a:noFill/>
+            <a:miter lim="800000"/>
+            <a:headEnd/>
+            <a:tailEnd/>
+          </a:ln>
+        </p:spPr>
+      </p:pic>
+    </p:spTree>
+  </p:cSld>
+  <p:clrMapOvr>
+    <a:masterClrMapping/>
+  </p:clrMapOvr>
+</p:sld>
+</file>
+
+<file path=ppt/slides/slide24.xml><?xml version="1.0" encoding="utf-8"?>
+<p:sld xmlns:a="http://schemas.openxmlformats.org/drawingml/2006/main" xmlns:r="http://schemas.openxmlformats.org/officeDocument/2006/relationships" xmlns:p="http://schemas.openxmlformats.org/presentationml/2006/main">
+  <p:cSld>
+    <p:spTree>
+      <p:nvGrpSpPr>
+        <p:cNvPr id="1" name=""/>
+        <p:cNvGrpSpPr/>
+        <p:nvPr/>
+      </p:nvGrpSpPr>
+      <p:grpSpPr>
+        <a:xfrm>
+          <a:off x="0" y="0"/>
+          <a:ext cx="0" cy="0"/>
+          <a:chOff x="0" y="0"/>
+          <a:chExt cx="0" cy="0"/>
+        </a:xfrm>
+      </p:grpSpPr>
+      <p:sp>
+        <p:nvSpPr>
+          <p:cNvPr id="2" name="Title 1"/>
+          <p:cNvSpPr>
+            <a:spLocks noGrp="1"/>
+          </p:cNvSpPr>
+          <p:nvPr>
+            <p:ph type="title"/>
+          </p:nvPr>
+        </p:nvSpPr>
+        <p:spPr/>
+        <p:txBody>
+          <a:bodyPr/>
+          <a:lstStyle/>
+          <a:p>
+            <a:r>
+              <a:rPr lang="en-US" dirty="0" smtClean="0"/>
+              <a:t>Deploy straight from </a:t>
+            </a:r>
+            <a:r>
+              <a:rPr lang="en-US" dirty="0" err="1" smtClean="0"/>
+              <a:t>github</a:t>
+            </a:r>
+            <a:endParaRPr lang="en-US" dirty="0"/>
+          </a:p>
+        </p:txBody>
+      </p:sp>
+      <p:sp>
+        <p:nvSpPr>
+          <p:cNvPr id="3" name="Content Placeholder 2"/>
+          <p:cNvSpPr>
+            <a:spLocks noGrp="1"/>
+          </p:cNvSpPr>
+          <p:nvPr>
+            <p:ph idx="1"/>
+          </p:nvPr>
+        </p:nvSpPr>
+        <p:spPr/>
+        <p:txBody>
+          <a:bodyPr>
+            <a:normAutofit/>
+          </a:bodyPr>
+          <a:lstStyle/>
+          <a:p>
+            <a:r>
+              <a:rPr lang="en-US" sz="2800" dirty="0" smtClean="0">
+                <a:hlinkClick r:id="rId2"/>
+              </a:rPr>
+              <a:t>https://</a:t>
+            </a:r>
+            <a:r>
+              <a:rPr lang="en-US" sz="2800" dirty="0" smtClean="0">
+                <a:hlinkClick r:id="rId2"/>
+              </a:rPr>
+              <a:t>github.com/chadmichel/IndexedDBDemo.git</a:t>
+            </a:r>
+            <a:endParaRPr lang="en-US" sz="2800" dirty="0" smtClean="0"/>
+          </a:p>
+          <a:p>
+            <a:endParaRPr lang="en-US" sz="2800" dirty="0" smtClean="0"/>
+          </a:p>
+          <a:p>
+            <a:r>
+              <a:rPr lang="en-US" sz="2800" dirty="0" smtClean="0"/>
+              <a:t>Runs at </a:t>
+            </a:r>
+            <a:r>
+              <a:rPr lang="en-US" sz="2800" dirty="0" smtClean="0">
+                <a:hlinkClick r:id="rId3"/>
+              </a:rPr>
+              <a:t>http://chadnotes.azurewebsites.net</a:t>
+            </a:r>
+            <a:r>
+              <a:rPr lang="en-US" sz="2800" dirty="0" smtClean="0">
+                <a:hlinkClick r:id="rId3"/>
+              </a:rPr>
+              <a:t>/</a:t>
+            </a:r>
+            <a:endParaRPr lang="en-US" sz="2800" dirty="0" smtClean="0"/>
+          </a:p>
+          <a:p>
+            <a:endParaRPr lang="en-US" sz="2800" dirty="0"/>
+          </a:p>
+        </p:txBody>
+      </p:sp>
+    </p:spTree>
+  </p:cSld>
+  <p:clrMapOvr>
+    <a:masterClrMapping/>
+  </p:clrMapOvr>
+</p:sld>
+</file>
+
+<file path=ppt/slides/slide25.xml><?xml version="1.0" encoding="utf-8"?>
+<p:sld xmlns:a="http://schemas.openxmlformats.org/drawingml/2006/main" xmlns:r="http://schemas.openxmlformats.org/officeDocument/2006/relationships" xmlns:p="http://schemas.openxmlformats.org/presentationml/2006/main">
+  <p:cSld>
+    <p:spTree>
+      <p:nvGrpSpPr>
+        <p:cNvPr id="1" name=""/>
+        <p:cNvGrpSpPr/>
+        <p:nvPr/>
+      </p:nvGrpSpPr>
+      <p:grpSpPr>
+        <a:xfrm>
+          <a:off x="0" y="0"/>
+          <a:ext cx="0" cy="0"/>
+          <a:chOff x="0" y="0"/>
+          <a:chExt cx="0" cy="0"/>
+        </a:xfrm>
+      </p:grpSpPr>
+      <p:sp>
+        <p:nvSpPr>
+          <p:cNvPr id="2" name="Title 1"/>
+          <p:cNvSpPr>
+            <a:spLocks noGrp="1"/>
+          </p:cNvSpPr>
+          <p:nvPr>
+            <p:ph type="title"/>
+          </p:nvPr>
+        </p:nvSpPr>
+        <p:spPr/>
+        <p:txBody>
+          <a:bodyPr/>
+          <a:lstStyle/>
+          <a:p>
+            <a:r>
+              <a:rPr lang="en-US" dirty="0" smtClean="0"/>
+              <a:t>Disconnected?</a:t>
+            </a:r>
+            <a:endParaRPr lang="en-US" dirty="0"/>
+          </a:p>
+        </p:txBody>
+      </p:sp>
+      <p:sp>
+        <p:nvSpPr>
+          <p:cNvPr id="3" name="Content Placeholder 2"/>
+          <p:cNvSpPr>
+            <a:spLocks noGrp="1"/>
+          </p:cNvSpPr>
+          <p:nvPr>
+            <p:ph idx="1"/>
+          </p:nvPr>
+        </p:nvSpPr>
+        <p:spPr/>
+        <p:txBody>
+          <a:bodyPr/>
+          <a:lstStyle/>
+          <a:p>
+            <a:r>
+              <a:rPr lang="en-US" dirty="0" smtClean="0"/>
+              <a:t>Previous site </a:t>
+            </a:r>
+            <a:r>
+              <a:rPr lang="en-US" smtClean="0"/>
+              <a:t>works disconnected!</a:t>
+            </a:r>
+            <a:endParaRPr lang="en-US" dirty="0"/>
+          </a:p>
+        </p:txBody>
+      </p:sp>
+    </p:spTree>
+  </p:cSld>
+  <p:clrMapOvr>
+    <a:masterClrMapping/>
+  </p:clrMapOvr>
+</p:sld>
+</file>
+
+<file path=ppt/slides/slide26.xml><?xml version="1.0" encoding="utf-8"?>
+<p:sld xmlns:a="http://schemas.openxmlformats.org/drawingml/2006/main" xmlns:r="http://schemas.openxmlformats.org/officeDocument/2006/relationships" xmlns:p="http://schemas.openxmlformats.org/presentationml/2006/main">
+  <p:cSld>
+    <p:spTree>
+      <p:nvGrpSpPr>
+        <p:cNvPr id="1" name=""/>
+        <p:cNvGrpSpPr/>
+        <p:nvPr/>
+      </p:nvGrpSpPr>
+      <p:grpSpPr>
+        <a:xfrm>
+          <a:off x="0" y="0"/>
+          <a:ext cx="0" cy="0"/>
+          <a:chOff x="0" y="0"/>
+          <a:chExt cx="0" cy="0"/>
+        </a:xfrm>
+      </p:grpSpPr>
+      <p:sp>
+        <p:nvSpPr>
+          <p:cNvPr id="4" name="Title 3"/>
+          <p:cNvSpPr>
+            <a:spLocks noGrp="1"/>
+          </p:cNvSpPr>
+          <p:nvPr>
+            <p:ph type="title"/>
+          </p:nvPr>
+        </p:nvSpPr>
+        <p:spPr/>
+        <p:txBody>
+          <a:bodyPr/>
+          <a:lstStyle/>
+          <a:p>
+            <a:r>
+              <a:rPr lang="en-US" dirty="0" smtClean="0"/>
+              <a:t>Other cool things to explore</a:t>
+            </a:r>
+            <a:endParaRPr lang="en-US" dirty="0"/>
+          </a:p>
+        </p:txBody>
+      </p:sp>
+      <p:sp>
+        <p:nvSpPr>
+          <p:cNvPr id="5" name="Text Placeholder 4"/>
+          <p:cNvSpPr>
+            <a:spLocks noGrp="1"/>
+          </p:cNvSpPr>
+          <p:nvPr>
+            <p:ph type="body" idx="1"/>
+          </p:nvPr>
+        </p:nvSpPr>
+        <p:spPr/>
+        <p:txBody>
+          <a:bodyPr/>
+          <a:lstStyle/>
+          <a:p>
+            <a:endParaRPr lang="en-US"/>
+          </a:p>
+        </p:txBody>
+      </p:sp>
+    </p:spTree>
+    <p:extLst>
+      <p:ext uri="{BB962C8B-B14F-4D97-AF65-F5344CB8AC3E}">
+        <p14:creationId xmlns="" xmlns:p14="http://schemas.microsoft.com/office/powerpoint/2010/main" val="3332033019"/>
+      </p:ext>
+    </p:extLst>
+  </p:cSld>
+  <p:clrMapOvr>
+    <a:masterClrMapping/>
+  </p:clrMapOvr>
+</p:sld>
+</file>
+
+<file path=ppt/slides/slide27.xml><?xml version="1.0" encoding="utf-8"?>
+<p:sld xmlns:a="http://schemas.openxmlformats.org/drawingml/2006/main" xmlns:r="http://schemas.openxmlformats.org/officeDocument/2006/relationships" xmlns:p="http://schemas.openxmlformats.org/presentationml/2006/main">
+  <p:cSld>
+    <p:spTree>
+      <p:nvGrpSpPr>
+        <p:cNvPr id="1" name=""/>
+        <p:cNvGrpSpPr/>
+        <p:nvPr/>
+      </p:nvGrpSpPr>
+      <p:grpSpPr>
+        <a:xfrm>
+          <a:off x="0" y="0"/>
+          <a:ext cx="0" cy="0"/>
+          <a:chOff x="0" y="0"/>
+          <a:chExt cx="0" cy="0"/>
+        </a:xfrm>
+      </p:grpSpPr>
+      <p:sp>
+        <p:nvSpPr>
+          <p:cNvPr id="2" name="Title 1"/>
+          <p:cNvSpPr>
+            <a:spLocks noGrp="1"/>
+          </p:cNvSpPr>
+          <p:nvPr>
+            <p:ph type="title"/>
+          </p:nvPr>
+        </p:nvSpPr>
+        <p:spPr/>
+        <p:txBody>
+          <a:bodyPr/>
+          <a:lstStyle/>
+          <a:p>
+            <a:r>
               <a:rPr lang="en-US" dirty="0" smtClean="0"/>
               <a:t>Cloud9</a:t>
             </a:r>
@@ -4475,7 +4922,7 @@
           <a:blip r:embed="rId2">
             <a:extLst>
               <a:ext uri="{28A0092B-C50C-407E-A947-70E740481C1C}">
-                <a14:useLocalDpi xmlns:a14="http://schemas.microsoft.com/office/drawing/2010/main" xmlns="" val="0"/>
+                <a14:useLocalDpi xmlns="" xmlns:a14="http://schemas.microsoft.com/office/drawing/2010/main" val="0"/>
               </a:ext>
             </a:extLst>
           </a:blip>
@@ -4496,7 +4943,7 @@
     </p:spTree>
     <p:extLst>
       <p:ext uri="{BB962C8B-B14F-4D97-AF65-F5344CB8AC3E}">
-        <p14:creationId xmlns:p14="http://schemas.microsoft.com/office/powerpoint/2010/main" xmlns="" val="2282842399"/>
+        <p14:creationId xmlns="" xmlns:p14="http://schemas.microsoft.com/office/powerpoint/2010/main" val="2282842399"/>
       </p:ext>
     </p:extLst>
   </p:cSld>
@@ -4506,7 +4953,7 @@
 </p:sld>
 </file>
 
-<file path=ppt/slides/slide23.xml><?xml version="1.0" encoding="utf-8"?>
+<file path=ppt/slides/slide28.xml><?xml version="1.0" encoding="utf-8"?>
 <p:sld xmlns:a="http://schemas.openxmlformats.org/drawingml/2006/main" xmlns:r="http://schemas.openxmlformats.org/officeDocument/2006/relationships" xmlns:p="http://schemas.openxmlformats.org/presentationml/2006/main">
   <p:cSld>
     <p:spTree>
@@ -4573,7 +5020,7 @@
     </p:spTree>
     <p:extLst>
       <p:ext uri="{BB962C8B-B14F-4D97-AF65-F5344CB8AC3E}">
-        <p14:creationId xmlns:p14="http://schemas.microsoft.com/office/powerpoint/2010/main" xmlns="" val="396408292"/>
+        <p14:creationId xmlns="" xmlns:p14="http://schemas.microsoft.com/office/powerpoint/2010/main" val="396408292"/>
       </p:ext>
     </p:extLst>
   </p:cSld>
@@ -4583,7 +5030,7 @@
 </p:sld>
 </file>
 
-<file path=ppt/slides/slide24.xml><?xml version="1.0" encoding="utf-8"?>
+<file path=ppt/slides/slide29.xml><?xml version="1.0" encoding="utf-8"?>
 <p:sld xmlns:a="http://schemas.openxmlformats.org/drawingml/2006/main" xmlns:r="http://schemas.openxmlformats.org/officeDocument/2006/relationships" xmlns:p="http://schemas.openxmlformats.org/presentationml/2006/main">
   <p:cSld>
     <p:spTree>
@@ -4686,7 +5133,7 @@
     </p:spTree>
     <p:extLst>
       <p:ext uri="{BB962C8B-B14F-4D97-AF65-F5344CB8AC3E}">
-        <p14:creationId xmlns:p14="http://schemas.microsoft.com/office/powerpoint/2010/main" xmlns="" val="2770249291"/>
+        <p14:creationId xmlns="" xmlns:p14="http://schemas.microsoft.com/office/powerpoint/2010/main" val="2770249291"/>
       </p:ext>
     </p:extLst>
   </p:cSld>
@@ -4725,7 +5172,7 @@
           <a:blip r:embed="rId2">
             <a:extLst>
               <a:ext uri="{28A0092B-C50C-407E-A947-70E740481C1C}">
-                <a14:useLocalDpi xmlns:a14="http://schemas.microsoft.com/office/drawing/2010/main" xmlns="" val="0"/>
+                <a14:useLocalDpi xmlns="" xmlns:a14="http://schemas.microsoft.com/office/drawing/2010/main" val="0"/>
               </a:ext>
             </a:extLst>
           </a:blip>
@@ -4746,7 +5193,7 @@
     </p:spTree>
     <p:extLst>
       <p:ext uri="{BB962C8B-B14F-4D97-AF65-F5344CB8AC3E}">
-        <p14:creationId xmlns:p14="http://schemas.microsoft.com/office/powerpoint/2010/main" xmlns="" val="3458288827"/>
+        <p14:creationId xmlns="" xmlns:p14="http://schemas.microsoft.com/office/powerpoint/2010/main" val="3458288827"/>
       </p:ext>
     </p:extLst>
   </p:cSld>
@@ -4854,7 +5301,7 @@
     </p:spTree>
     <p:extLst>
       <p:ext uri="{BB962C8B-B14F-4D97-AF65-F5344CB8AC3E}">
-        <p14:creationId xmlns:p14="http://schemas.microsoft.com/office/powerpoint/2010/main" xmlns="" val="805148713"/>
+        <p14:creationId xmlns="" xmlns:p14="http://schemas.microsoft.com/office/powerpoint/2010/main" val="805148713"/>
       </p:ext>
     </p:extLst>
   </p:cSld>
@@ -4973,7 +5420,7 @@
     </p:spTree>
     <p:extLst>
       <p:ext uri="{BB962C8B-B14F-4D97-AF65-F5344CB8AC3E}">
-        <p14:creationId xmlns:p14="http://schemas.microsoft.com/office/powerpoint/2010/main" xmlns="" val="835466215"/>
+        <p14:creationId xmlns="" xmlns:p14="http://schemas.microsoft.com/office/powerpoint/2010/main" val="835466215"/>
       </p:ext>
     </p:extLst>
   </p:cSld>
@@ -5058,7 +5505,7 @@
     </p:spTree>
     <p:extLst>
       <p:ext uri="{BB962C8B-B14F-4D97-AF65-F5344CB8AC3E}">
-        <p14:creationId xmlns:p14="http://schemas.microsoft.com/office/powerpoint/2010/main" xmlns="" val="3721296226"/>
+        <p14:creationId xmlns="" xmlns:p14="http://schemas.microsoft.com/office/powerpoint/2010/main" val="3721296226"/>
       </p:ext>
     </p:extLst>
   </p:cSld>
@@ -5170,7 +5617,7 @@
     </p:spTree>
     <p:extLst>
       <p:ext uri="{BB962C8B-B14F-4D97-AF65-F5344CB8AC3E}">
-        <p14:creationId xmlns:p14="http://schemas.microsoft.com/office/powerpoint/2010/main" xmlns="" val="1229930455"/>
+        <p14:creationId xmlns="" xmlns:p14="http://schemas.microsoft.com/office/powerpoint/2010/main" val="1229930455"/>
       </p:ext>
     </p:extLst>
   </p:cSld>
@@ -5246,7 +5693,7 @@
     </p:spTree>
     <p:extLst>
       <p:ext uri="{BB962C8B-B14F-4D97-AF65-F5344CB8AC3E}">
-        <p14:creationId xmlns:p14="http://schemas.microsoft.com/office/powerpoint/2010/main" xmlns="" val="464567482"/>
+        <p14:creationId xmlns="" xmlns:p14="http://schemas.microsoft.com/office/powerpoint/2010/main" val="464567482"/>
       </p:ext>
     </p:extLst>
   </p:cSld>
@@ -5336,7 +5783,7 @@
     </p:spTree>
     <p:extLst>
       <p:ext uri="{BB962C8B-B14F-4D97-AF65-F5344CB8AC3E}">
-        <p14:creationId xmlns:p14="http://schemas.microsoft.com/office/powerpoint/2010/main" xmlns="" val="3591816338"/>
+        <p14:creationId xmlns="" xmlns:p14="http://schemas.microsoft.com/office/powerpoint/2010/main" val="3591816338"/>
       </p:ext>
     </p:extLst>
   </p:cSld>

--- a/IndexedDB_And_Random.pptx
+++ b/IndexedDB_And_Random.pptx
@@ -369,7 +369,7 @@
     </p:spTree>
     <p:extLst>
       <p:ext uri="{BB962C8B-B14F-4D97-AF65-F5344CB8AC3E}">
-        <p14:creationId xmlns="" xmlns:p14="http://schemas.microsoft.com/office/powerpoint/2010/main" val="2202296165"/>
+        <p14:creationId xmlns:p14="http://schemas.microsoft.com/office/powerpoint/2010/main" xmlns="" val="2202296165"/>
       </p:ext>
     </p:extLst>
   </p:cSld>
@@ -541,7 +541,7 @@
     </p:spTree>
     <p:extLst>
       <p:ext uri="{BB962C8B-B14F-4D97-AF65-F5344CB8AC3E}">
-        <p14:creationId xmlns="" xmlns:p14="http://schemas.microsoft.com/office/powerpoint/2010/main" val="848641877"/>
+        <p14:creationId xmlns:p14="http://schemas.microsoft.com/office/powerpoint/2010/main" xmlns="" val="848641877"/>
       </p:ext>
     </p:extLst>
   </p:cSld>
@@ -723,7 +723,7 @@
     </p:spTree>
     <p:extLst>
       <p:ext uri="{BB962C8B-B14F-4D97-AF65-F5344CB8AC3E}">
-        <p14:creationId xmlns="" xmlns:p14="http://schemas.microsoft.com/office/powerpoint/2010/main" val="1859888674"/>
+        <p14:creationId xmlns:p14="http://schemas.microsoft.com/office/powerpoint/2010/main" xmlns="" val="1859888674"/>
       </p:ext>
     </p:extLst>
   </p:cSld>
@@ -895,7 +895,7 @@
     </p:spTree>
     <p:extLst>
       <p:ext uri="{BB962C8B-B14F-4D97-AF65-F5344CB8AC3E}">
-        <p14:creationId xmlns="" xmlns:p14="http://schemas.microsoft.com/office/powerpoint/2010/main" val="2318948136"/>
+        <p14:creationId xmlns:p14="http://schemas.microsoft.com/office/powerpoint/2010/main" xmlns="" val="2318948136"/>
       </p:ext>
     </p:extLst>
   </p:cSld>
@@ -1143,7 +1143,7 @@
     </p:spTree>
     <p:extLst>
       <p:ext uri="{BB962C8B-B14F-4D97-AF65-F5344CB8AC3E}">
-        <p14:creationId xmlns="" xmlns:p14="http://schemas.microsoft.com/office/powerpoint/2010/main" val="1026537035"/>
+        <p14:creationId xmlns:p14="http://schemas.microsoft.com/office/powerpoint/2010/main" xmlns="" val="1026537035"/>
       </p:ext>
     </p:extLst>
   </p:cSld>
@@ -1433,7 +1433,7 @@
     </p:spTree>
     <p:extLst>
       <p:ext uri="{BB962C8B-B14F-4D97-AF65-F5344CB8AC3E}">
-        <p14:creationId xmlns="" xmlns:p14="http://schemas.microsoft.com/office/powerpoint/2010/main" val="3155713714"/>
+        <p14:creationId xmlns:p14="http://schemas.microsoft.com/office/powerpoint/2010/main" xmlns="" val="3155713714"/>
       </p:ext>
     </p:extLst>
   </p:cSld>
@@ -1857,7 +1857,7 @@
     </p:spTree>
     <p:extLst>
       <p:ext uri="{BB962C8B-B14F-4D97-AF65-F5344CB8AC3E}">
-        <p14:creationId xmlns="" xmlns:p14="http://schemas.microsoft.com/office/powerpoint/2010/main" val="1773844497"/>
+        <p14:creationId xmlns:p14="http://schemas.microsoft.com/office/powerpoint/2010/main" xmlns="" val="1773844497"/>
       </p:ext>
     </p:extLst>
   </p:cSld>
@@ -1977,7 +1977,7 @@
     </p:spTree>
     <p:extLst>
       <p:ext uri="{BB962C8B-B14F-4D97-AF65-F5344CB8AC3E}">
-        <p14:creationId xmlns="" xmlns:p14="http://schemas.microsoft.com/office/powerpoint/2010/main" val="2576628691"/>
+        <p14:creationId xmlns:p14="http://schemas.microsoft.com/office/powerpoint/2010/main" xmlns="" val="2576628691"/>
       </p:ext>
     </p:extLst>
   </p:cSld>
@@ -2074,7 +2074,7 @@
     </p:spTree>
     <p:extLst>
       <p:ext uri="{BB962C8B-B14F-4D97-AF65-F5344CB8AC3E}">
-        <p14:creationId xmlns="" xmlns:p14="http://schemas.microsoft.com/office/powerpoint/2010/main" val="1140558268"/>
+        <p14:creationId xmlns:p14="http://schemas.microsoft.com/office/powerpoint/2010/main" xmlns="" val="1140558268"/>
       </p:ext>
     </p:extLst>
   </p:cSld>
@@ -2353,7 +2353,7 @@
     </p:spTree>
     <p:extLst>
       <p:ext uri="{BB962C8B-B14F-4D97-AF65-F5344CB8AC3E}">
-        <p14:creationId xmlns="" xmlns:p14="http://schemas.microsoft.com/office/powerpoint/2010/main" val="4076526287"/>
+        <p14:creationId xmlns:p14="http://schemas.microsoft.com/office/powerpoint/2010/main" xmlns="" val="4076526287"/>
       </p:ext>
     </p:extLst>
   </p:cSld>
@@ -2608,7 +2608,7 @@
     </p:spTree>
     <p:extLst>
       <p:ext uri="{BB962C8B-B14F-4D97-AF65-F5344CB8AC3E}">
-        <p14:creationId xmlns="" xmlns:p14="http://schemas.microsoft.com/office/powerpoint/2010/main" val="553788323"/>
+        <p14:creationId xmlns:p14="http://schemas.microsoft.com/office/powerpoint/2010/main" xmlns="" val="553788323"/>
       </p:ext>
     </p:extLst>
   </p:cSld>
@@ -2859,7 +2859,7 @@
     </p:spTree>
     <p:extLst>
       <p:ext uri="{BB962C8B-B14F-4D97-AF65-F5344CB8AC3E}">
-        <p14:creationId xmlns="" xmlns:p14="http://schemas.microsoft.com/office/powerpoint/2010/main" val="2918855926"/>
+        <p14:creationId xmlns:p14="http://schemas.microsoft.com/office/powerpoint/2010/main" xmlns="" val="2918855926"/>
       </p:ext>
     </p:extLst>
   </p:cSld>
@@ -3200,7 +3200,7 @@
     </p:spTree>
     <p:extLst>
       <p:ext uri="{BB962C8B-B14F-4D97-AF65-F5344CB8AC3E}">
-        <p14:creationId xmlns="" xmlns:p14="http://schemas.microsoft.com/office/powerpoint/2010/main" val="1817225024"/>
+        <p14:creationId xmlns:p14="http://schemas.microsoft.com/office/powerpoint/2010/main" xmlns="" val="1817225024"/>
       </p:ext>
     </p:extLst>
   </p:cSld>
@@ -3306,7 +3306,7 @@
     </p:spTree>
     <p:extLst>
       <p:ext uri="{BB962C8B-B14F-4D97-AF65-F5344CB8AC3E}">
-        <p14:creationId xmlns="" xmlns:p14="http://schemas.microsoft.com/office/powerpoint/2010/main" val="1290160103"/>
+        <p14:creationId xmlns:p14="http://schemas.microsoft.com/office/powerpoint/2010/main" xmlns="" val="1290160103"/>
       </p:ext>
     </p:extLst>
   </p:cSld>
@@ -3408,7 +3408,7 @@
     </p:spTree>
     <p:extLst>
       <p:ext uri="{BB962C8B-B14F-4D97-AF65-F5344CB8AC3E}">
-        <p14:creationId xmlns="" xmlns:p14="http://schemas.microsoft.com/office/powerpoint/2010/main" val="2463124279"/>
+        <p14:creationId xmlns:p14="http://schemas.microsoft.com/office/powerpoint/2010/main" xmlns="" val="2463124279"/>
       </p:ext>
     </p:extLst>
   </p:cSld>
@@ -3470,7 +3470,7 @@
           <a:blip r:embed="rId2">
             <a:extLst>
               <a:ext uri="{28A0092B-C50C-407E-A947-70E740481C1C}">
-                <a14:useLocalDpi xmlns="" xmlns:a14="http://schemas.microsoft.com/office/drawing/2010/main" val="0"/>
+                <a14:useLocalDpi xmlns:a14="http://schemas.microsoft.com/office/drawing/2010/main" xmlns="" val="0"/>
               </a:ext>
             </a:extLst>
           </a:blip>
@@ -3496,7 +3496,7 @@
     </p:spTree>
     <p:extLst>
       <p:ext uri="{BB962C8B-B14F-4D97-AF65-F5344CB8AC3E}">
-        <p14:creationId xmlns="" xmlns:p14="http://schemas.microsoft.com/office/powerpoint/2010/main" val="4203566617"/>
+        <p14:creationId xmlns:p14="http://schemas.microsoft.com/office/powerpoint/2010/main" xmlns="" val="4203566617"/>
       </p:ext>
     </p:extLst>
   </p:cSld>
@@ -3558,7 +3558,7 @@
           <a:blip r:embed="rId2">
             <a:extLst>
               <a:ext uri="{28A0092B-C50C-407E-A947-70E740481C1C}">
-                <a14:useLocalDpi xmlns="" xmlns:a14="http://schemas.microsoft.com/office/drawing/2010/main" val="0"/>
+                <a14:useLocalDpi xmlns:a14="http://schemas.microsoft.com/office/drawing/2010/main" xmlns="" val="0"/>
               </a:ext>
             </a:extLst>
           </a:blip>
@@ -3579,7 +3579,7 @@
     </p:spTree>
     <p:extLst>
       <p:ext uri="{BB962C8B-B14F-4D97-AF65-F5344CB8AC3E}">
-        <p14:creationId xmlns="" xmlns:p14="http://schemas.microsoft.com/office/powerpoint/2010/main" val="3769809405"/>
+        <p14:creationId xmlns:p14="http://schemas.microsoft.com/office/powerpoint/2010/main" xmlns="" val="3769809405"/>
       </p:ext>
     </p:extLst>
   </p:cSld>
@@ -3663,7 +3663,7 @@
     </p:spTree>
     <p:extLst>
       <p:ext uri="{BB962C8B-B14F-4D97-AF65-F5344CB8AC3E}">
-        <p14:creationId xmlns="" xmlns:p14="http://schemas.microsoft.com/office/powerpoint/2010/main" val="3217619526"/>
+        <p14:creationId xmlns:p14="http://schemas.microsoft.com/office/powerpoint/2010/main" xmlns="" val="3217619526"/>
       </p:ext>
     </p:extLst>
   </p:cSld>
@@ -3754,7 +3754,7 @@
     </p:spTree>
     <p:extLst>
       <p:ext uri="{BB962C8B-B14F-4D97-AF65-F5344CB8AC3E}">
-        <p14:creationId xmlns="" xmlns:p14="http://schemas.microsoft.com/office/powerpoint/2010/main" val="1956174889"/>
+        <p14:creationId xmlns:p14="http://schemas.microsoft.com/office/powerpoint/2010/main" xmlns="" val="1956174889"/>
       </p:ext>
     </p:extLst>
   </p:cSld>
@@ -3839,7 +3839,7 @@
     </p:spTree>
     <p:extLst>
       <p:ext uri="{BB962C8B-B14F-4D97-AF65-F5344CB8AC3E}">
-        <p14:creationId xmlns="" xmlns:p14="http://schemas.microsoft.com/office/powerpoint/2010/main" val="242311445"/>
+        <p14:creationId xmlns:p14="http://schemas.microsoft.com/office/powerpoint/2010/main" xmlns="" val="242311445"/>
       </p:ext>
     </p:extLst>
   </p:cSld>
@@ -4001,7 +4001,7 @@
     </p:spTree>
     <p:extLst>
       <p:ext uri="{BB962C8B-B14F-4D97-AF65-F5344CB8AC3E}">
-        <p14:creationId xmlns="" xmlns:p14="http://schemas.microsoft.com/office/powerpoint/2010/main" val="1502819855"/>
+        <p14:creationId xmlns:p14="http://schemas.microsoft.com/office/powerpoint/2010/main" xmlns="" val="1502819855"/>
       </p:ext>
     </p:extLst>
   </p:cSld>
@@ -4081,7 +4081,7 @@
     </p:spTree>
     <p:extLst>
       <p:ext uri="{BB962C8B-B14F-4D97-AF65-F5344CB8AC3E}">
-        <p14:creationId xmlns="" xmlns:p14="http://schemas.microsoft.com/office/powerpoint/2010/main" val="3824795908"/>
+        <p14:creationId xmlns:p14="http://schemas.microsoft.com/office/powerpoint/2010/main" xmlns="" val="3824795908"/>
       </p:ext>
     </p:extLst>
   </p:cSld>
@@ -4176,7 +4176,7 @@
     </p:spTree>
     <p:extLst>
       <p:ext uri="{BB962C8B-B14F-4D97-AF65-F5344CB8AC3E}">
-        <p14:creationId xmlns="" xmlns:p14="http://schemas.microsoft.com/office/powerpoint/2010/main" val="1699156036"/>
+        <p14:creationId xmlns:p14="http://schemas.microsoft.com/office/powerpoint/2010/main" xmlns="" val="1699156036"/>
       </p:ext>
     </p:extLst>
   </p:cSld>
@@ -4266,7 +4266,7 @@
     </p:spTree>
     <p:extLst>
       <p:ext uri="{BB962C8B-B14F-4D97-AF65-F5344CB8AC3E}">
-        <p14:creationId xmlns="" xmlns:p14="http://schemas.microsoft.com/office/powerpoint/2010/main" val="3866878405"/>
+        <p14:creationId xmlns:p14="http://schemas.microsoft.com/office/powerpoint/2010/main" xmlns="" val="3866878405"/>
       </p:ext>
     </p:extLst>
   </p:cSld>
@@ -4417,8 +4417,52 @@
             </a:r>
             <a:r>
               <a:rPr lang="en-US" dirty="0" smtClean="0"/>
-              <a:t> Deferred</a:t>
-            </a:r>
+              <a:t> </a:t>
+            </a:r>
+            <a:r>
+              <a:rPr lang="en-US" dirty="0" smtClean="0"/>
+              <a:t>Deferred</a:t>
+            </a:r>
+          </a:p>
+          <a:p>
+            <a:endParaRPr lang="en-US" dirty="0" smtClean="0"/>
+          </a:p>
+          <a:p>
+            <a:r>
+              <a:rPr lang="en-US" dirty="0" smtClean="0"/>
+              <a:t>Promises</a:t>
+            </a:r>
+          </a:p>
+          <a:p>
+            <a:pPr lvl="1"/>
+            <a:r>
+              <a:rPr lang="en-US" dirty="0" smtClean="0"/>
+              <a:t>Make </a:t>
+            </a:r>
+            <a:r>
+              <a:rPr lang="en-US" dirty="0" err="1" smtClean="0"/>
+              <a:t>async</a:t>
+            </a:r>
+            <a:r>
+              <a:rPr lang="en-US" dirty="0" smtClean="0"/>
+              <a:t> easier to read</a:t>
+            </a:r>
+          </a:p>
+          <a:p>
+            <a:pPr lvl="1"/>
+            <a:r>
+              <a:rPr lang="en-US" dirty="0" smtClean="0"/>
+              <a:t>Provides a consistent way to do </a:t>
+            </a:r>
+            <a:r>
+              <a:rPr lang="en-US" dirty="0" err="1" smtClean="0"/>
+              <a:t>async</a:t>
+            </a:r>
+            <a:r>
+              <a:rPr lang="en-US" dirty="0" smtClean="0"/>
+              <a:t> callbacks</a:t>
+            </a:r>
+            <a:endParaRPr lang="en-US" dirty="0" smtClean="0"/>
           </a:p>
           <a:p>
             <a:pPr lvl="1"/>
@@ -4678,13 +4722,7 @@
               <a:rPr lang="en-US" sz="2800" dirty="0" smtClean="0">
                 <a:hlinkClick r:id="rId2"/>
               </a:rPr>
-              <a:t>https://</a:t>
-            </a:r>
-            <a:r>
-              <a:rPr lang="en-US" sz="2800" dirty="0" smtClean="0">
-                <a:hlinkClick r:id="rId2"/>
-              </a:rPr>
-              <a:t>github.com/chadmichel/IndexedDBDemo.git</a:t>
+              <a:t>https://github.com/chadmichel/IndexedDBDemo.git</a:t>
             </a:r>
             <a:endParaRPr lang="en-US" sz="2800" dirty="0" smtClean="0"/>
           </a:p>
@@ -4700,13 +4738,7 @@
               <a:rPr lang="en-US" sz="2800" dirty="0" smtClean="0">
                 <a:hlinkClick r:id="rId3"/>
               </a:rPr>
-              <a:t>http://chadnotes.azurewebsites.net</a:t>
-            </a:r>
-            <a:r>
-              <a:rPr lang="en-US" sz="2800" dirty="0" smtClean="0">
-                <a:hlinkClick r:id="rId3"/>
-              </a:rPr>
-              <a:t>/</a:t>
+              <a:t>http://chadnotes.azurewebsites.net/</a:t>
             </a:r>
             <a:endParaRPr lang="en-US" sz="2800" dirty="0" smtClean="0"/>
           </a:p>
@@ -4780,11 +4812,20 @@
           <a:p>
             <a:r>
               <a:rPr lang="en-US" dirty="0" smtClean="0"/>
-              <a:t>Previous site </a:t>
-            </a:r>
-            <a:r>
-              <a:rPr lang="en-US" smtClean="0"/>
-              <a:t>works disconnected!</a:t>
+              <a:t>Previous site works disconnected</a:t>
+            </a:r>
+            <a:r>
+              <a:rPr lang="en-US" dirty="0" smtClean="0"/>
+              <a:t>!</a:t>
+            </a:r>
+          </a:p>
+          <a:p>
+            <a:endParaRPr lang="en-US" dirty="0" smtClean="0"/>
+          </a:p>
+          <a:p>
+            <a:r>
+              <a:rPr lang="en-US" smtClean="0"/>
+              <a:t>Disconnected Demo</a:t>
             </a:r>
             <a:endParaRPr lang="en-US" dirty="0"/>
           </a:p>
@@ -4860,7 +4901,7 @@
     </p:spTree>
     <p:extLst>
       <p:ext uri="{BB962C8B-B14F-4D97-AF65-F5344CB8AC3E}">
-        <p14:creationId xmlns="" xmlns:p14="http://schemas.microsoft.com/office/powerpoint/2010/main" val="3332033019"/>
+        <p14:creationId xmlns:p14="http://schemas.microsoft.com/office/powerpoint/2010/main" xmlns="" val="3332033019"/>
       </p:ext>
     </p:extLst>
   </p:cSld>
@@ -4922,7 +4963,7 @@
           <a:blip r:embed="rId2">
             <a:extLst>
               <a:ext uri="{28A0092B-C50C-407E-A947-70E740481C1C}">
-                <a14:useLocalDpi xmlns="" xmlns:a14="http://schemas.microsoft.com/office/drawing/2010/main" val="0"/>
+                <a14:useLocalDpi xmlns:a14="http://schemas.microsoft.com/office/drawing/2010/main" xmlns="" val="0"/>
               </a:ext>
             </a:extLst>
           </a:blip>
@@ -4943,7 +4984,7 @@
     </p:spTree>
     <p:extLst>
       <p:ext uri="{BB962C8B-B14F-4D97-AF65-F5344CB8AC3E}">
-        <p14:creationId xmlns="" xmlns:p14="http://schemas.microsoft.com/office/powerpoint/2010/main" val="2282842399"/>
+        <p14:creationId xmlns:p14="http://schemas.microsoft.com/office/powerpoint/2010/main" xmlns="" val="2282842399"/>
       </p:ext>
     </p:extLst>
   </p:cSld>
@@ -5020,7 +5061,7 @@
     </p:spTree>
     <p:extLst>
       <p:ext uri="{BB962C8B-B14F-4D97-AF65-F5344CB8AC3E}">
-        <p14:creationId xmlns="" xmlns:p14="http://schemas.microsoft.com/office/powerpoint/2010/main" val="396408292"/>
+        <p14:creationId xmlns:p14="http://schemas.microsoft.com/office/powerpoint/2010/main" xmlns="" val="396408292"/>
       </p:ext>
     </p:extLst>
   </p:cSld>
@@ -5133,7 +5174,7 @@
     </p:spTree>
     <p:extLst>
       <p:ext uri="{BB962C8B-B14F-4D97-AF65-F5344CB8AC3E}">
-        <p14:creationId xmlns="" xmlns:p14="http://schemas.microsoft.com/office/powerpoint/2010/main" val="2770249291"/>
+        <p14:creationId xmlns:p14="http://schemas.microsoft.com/office/powerpoint/2010/main" xmlns="" val="2770249291"/>
       </p:ext>
     </p:extLst>
   </p:cSld>
@@ -5172,7 +5213,7 @@
           <a:blip r:embed="rId2">
             <a:extLst>
               <a:ext uri="{28A0092B-C50C-407E-A947-70E740481C1C}">
-                <a14:useLocalDpi xmlns="" xmlns:a14="http://schemas.microsoft.com/office/drawing/2010/main" val="0"/>
+                <a14:useLocalDpi xmlns:a14="http://schemas.microsoft.com/office/drawing/2010/main" xmlns="" val="0"/>
               </a:ext>
             </a:extLst>
           </a:blip>
@@ -5193,7 +5234,7 @@
     </p:spTree>
     <p:extLst>
       <p:ext uri="{BB962C8B-B14F-4D97-AF65-F5344CB8AC3E}">
-        <p14:creationId xmlns="" xmlns:p14="http://schemas.microsoft.com/office/powerpoint/2010/main" val="3458288827"/>
+        <p14:creationId xmlns:p14="http://schemas.microsoft.com/office/powerpoint/2010/main" xmlns="" val="3458288827"/>
       </p:ext>
     </p:extLst>
   </p:cSld>
@@ -5301,7 +5342,7 @@
     </p:spTree>
     <p:extLst>
       <p:ext uri="{BB962C8B-B14F-4D97-AF65-F5344CB8AC3E}">
-        <p14:creationId xmlns="" xmlns:p14="http://schemas.microsoft.com/office/powerpoint/2010/main" val="805148713"/>
+        <p14:creationId xmlns:p14="http://schemas.microsoft.com/office/powerpoint/2010/main" xmlns="" val="805148713"/>
       </p:ext>
     </p:extLst>
   </p:cSld>
@@ -5420,7 +5461,7 @@
     </p:spTree>
     <p:extLst>
       <p:ext uri="{BB962C8B-B14F-4D97-AF65-F5344CB8AC3E}">
-        <p14:creationId xmlns="" xmlns:p14="http://schemas.microsoft.com/office/powerpoint/2010/main" val="835466215"/>
+        <p14:creationId xmlns:p14="http://schemas.microsoft.com/office/powerpoint/2010/main" xmlns="" val="835466215"/>
       </p:ext>
     </p:extLst>
   </p:cSld>
@@ -5505,7 +5546,7 @@
     </p:spTree>
     <p:extLst>
       <p:ext uri="{BB962C8B-B14F-4D97-AF65-F5344CB8AC3E}">
-        <p14:creationId xmlns="" xmlns:p14="http://schemas.microsoft.com/office/powerpoint/2010/main" val="3721296226"/>
+        <p14:creationId xmlns:p14="http://schemas.microsoft.com/office/powerpoint/2010/main" xmlns="" val="3721296226"/>
       </p:ext>
     </p:extLst>
   </p:cSld>
@@ -5617,7 +5658,7 @@
     </p:spTree>
     <p:extLst>
       <p:ext uri="{BB962C8B-B14F-4D97-AF65-F5344CB8AC3E}">
-        <p14:creationId xmlns="" xmlns:p14="http://schemas.microsoft.com/office/powerpoint/2010/main" val="1229930455"/>
+        <p14:creationId xmlns:p14="http://schemas.microsoft.com/office/powerpoint/2010/main" xmlns="" val="1229930455"/>
       </p:ext>
     </p:extLst>
   </p:cSld>
@@ -5693,7 +5734,7 @@
     </p:spTree>
     <p:extLst>
       <p:ext uri="{BB962C8B-B14F-4D97-AF65-F5344CB8AC3E}">
-        <p14:creationId xmlns="" xmlns:p14="http://schemas.microsoft.com/office/powerpoint/2010/main" val="464567482"/>
+        <p14:creationId xmlns:p14="http://schemas.microsoft.com/office/powerpoint/2010/main" xmlns="" val="464567482"/>
       </p:ext>
     </p:extLst>
   </p:cSld>
@@ -5783,7 +5824,7 @@
     </p:spTree>
     <p:extLst>
       <p:ext uri="{BB962C8B-B14F-4D97-AF65-F5344CB8AC3E}">
-        <p14:creationId xmlns="" xmlns:p14="http://schemas.microsoft.com/office/powerpoint/2010/main" val="3591816338"/>
+        <p14:creationId xmlns:p14="http://schemas.microsoft.com/office/powerpoint/2010/main" xmlns="" val="3591816338"/>
       </p:ext>
     </p:extLst>
   </p:cSld>
